--- a/프론트엔드기초(PPT)/CSS3 4강_CSS 박스모델_part2.pptx
+++ b/프론트엔드기초(PPT)/CSS3 4강_CSS 박스모델_part2.pptx
@@ -14,14 +14,10 @@
     <p:sldId id="323" r:id="rId8"/>
     <p:sldId id="262" r:id="rId9"/>
     <p:sldId id="325" r:id="rId10"/>
-    <p:sldId id="326" r:id="rId11"/>
+    <p:sldId id="333" r:id="rId11"/>
     <p:sldId id="327" r:id="rId12"/>
-    <p:sldId id="328" r:id="rId13"/>
-    <p:sldId id="329" r:id="rId14"/>
-    <p:sldId id="330" r:id="rId15"/>
-    <p:sldId id="331" r:id="rId16"/>
-    <p:sldId id="332" r:id="rId17"/>
-    <p:sldId id="263" r:id="rId18"/>
+    <p:sldId id="332" r:id="rId13"/>
+    <p:sldId id="263" r:id="rId14"/>
   </p:sldIdLst>
   <p:sldSz cx="9144000" cy="6858000" type="screen4x3"/>
   <p:notesSz cx="6858000" cy="9144000"/>
@@ -304,7 +300,7 @@
           <a:p>
             <a:fld id="{FB30EDBD-1C2D-4C1E-B459-B60219FAB484}" type="datetimeFigureOut">
               <a:rPr lang="ko-KR" altLang="en-US" smtClean="0"/>
-              <a:t>2020-10-02</a:t>
+              <a:t>2020-10-04</a:t>
             </a:fld>
             <a:endParaRPr lang="ko-KR" altLang="en-US"/>
           </a:p>
@@ -469,7 +465,7 @@
           <a:p>
             <a:fld id="{FB30EDBD-1C2D-4C1E-B459-B60219FAB484}" type="datetimeFigureOut">
               <a:rPr lang="ko-KR" altLang="en-US" smtClean="0"/>
-              <a:t>2020-10-02</a:t>
+              <a:t>2020-10-04</a:t>
             </a:fld>
             <a:endParaRPr lang="ko-KR" altLang="en-US"/>
           </a:p>
@@ -644,7 +640,7 @@
           <a:p>
             <a:fld id="{FB30EDBD-1C2D-4C1E-B459-B60219FAB484}" type="datetimeFigureOut">
               <a:rPr lang="ko-KR" altLang="en-US" smtClean="0"/>
-              <a:t>2020-10-02</a:t>
+              <a:t>2020-10-04</a:t>
             </a:fld>
             <a:endParaRPr lang="ko-KR" altLang="en-US"/>
           </a:p>
@@ -809,7 +805,7 @@
           <a:p>
             <a:fld id="{FB30EDBD-1C2D-4C1E-B459-B60219FAB484}" type="datetimeFigureOut">
               <a:rPr lang="ko-KR" altLang="en-US" smtClean="0"/>
-              <a:t>2020-10-02</a:t>
+              <a:t>2020-10-04</a:t>
             </a:fld>
             <a:endParaRPr lang="ko-KR" altLang="en-US"/>
           </a:p>
@@ -1050,7 +1046,7 @@
           <a:p>
             <a:fld id="{FB30EDBD-1C2D-4C1E-B459-B60219FAB484}" type="datetimeFigureOut">
               <a:rPr lang="ko-KR" altLang="en-US" smtClean="0"/>
-              <a:t>2020-10-02</a:t>
+              <a:t>2020-10-04</a:t>
             </a:fld>
             <a:endParaRPr lang="ko-KR" altLang="en-US"/>
           </a:p>
@@ -1333,7 +1329,7 @@
           <a:p>
             <a:fld id="{FB30EDBD-1C2D-4C1E-B459-B60219FAB484}" type="datetimeFigureOut">
               <a:rPr lang="ko-KR" altLang="en-US" smtClean="0"/>
-              <a:t>2020-10-02</a:t>
+              <a:t>2020-10-04</a:t>
             </a:fld>
             <a:endParaRPr lang="ko-KR" altLang="en-US"/>
           </a:p>
@@ -1750,7 +1746,7 @@
           <a:p>
             <a:fld id="{FB30EDBD-1C2D-4C1E-B459-B60219FAB484}" type="datetimeFigureOut">
               <a:rPr lang="ko-KR" altLang="en-US" smtClean="0"/>
-              <a:t>2020-10-02</a:t>
+              <a:t>2020-10-04</a:t>
             </a:fld>
             <a:endParaRPr lang="ko-KR" altLang="en-US"/>
           </a:p>
@@ -1863,7 +1859,7 @@
           <a:p>
             <a:fld id="{FB30EDBD-1C2D-4C1E-B459-B60219FAB484}" type="datetimeFigureOut">
               <a:rPr lang="ko-KR" altLang="en-US" smtClean="0"/>
-              <a:t>2020-10-02</a:t>
+              <a:t>2020-10-04</a:t>
             </a:fld>
             <a:endParaRPr lang="ko-KR" altLang="en-US"/>
           </a:p>
@@ -1953,7 +1949,7 @@
           <a:p>
             <a:fld id="{FB30EDBD-1C2D-4C1E-B459-B60219FAB484}" type="datetimeFigureOut">
               <a:rPr lang="ko-KR" altLang="en-US" smtClean="0"/>
-              <a:t>2020-10-02</a:t>
+              <a:t>2020-10-04</a:t>
             </a:fld>
             <a:endParaRPr lang="ko-KR" altLang="en-US"/>
           </a:p>
@@ -2225,7 +2221,7 @@
           <a:p>
             <a:fld id="{FB30EDBD-1C2D-4C1E-B459-B60219FAB484}" type="datetimeFigureOut">
               <a:rPr lang="ko-KR" altLang="en-US" smtClean="0"/>
-              <a:t>2020-10-02</a:t>
+              <a:t>2020-10-04</a:t>
             </a:fld>
             <a:endParaRPr lang="ko-KR" altLang="en-US"/>
           </a:p>
@@ -2473,7 +2469,7 @@
           <a:p>
             <a:fld id="{FB30EDBD-1C2D-4C1E-B459-B60219FAB484}" type="datetimeFigureOut">
               <a:rPr lang="ko-KR" altLang="en-US" smtClean="0"/>
-              <a:t>2020-10-02</a:t>
+              <a:t>2020-10-04</a:t>
             </a:fld>
             <a:endParaRPr lang="ko-KR" altLang="en-US"/>
           </a:p>
@@ -2681,7 +2677,7 @@
           <a:p>
             <a:fld id="{FB30EDBD-1C2D-4C1E-B459-B60219FAB484}" type="datetimeFigureOut">
               <a:rPr lang="ko-KR" altLang="en-US" smtClean="0"/>
-              <a:t>2020-10-02</a:t>
+              <a:t>2020-10-04</a:t>
             </a:fld>
             <a:endParaRPr lang="ko-KR" altLang="en-US"/>
           </a:p>
@@ -3394,14 +3390,14 @@
                 <a:latin typeface="배달의민족 주아" pitchFamily="18" charset="-127"/>
                 <a:ea typeface="배달의민족 주아" pitchFamily="18" charset="-127"/>
               </a:rPr>
-              <a:t>box-sizing </a:t>
+              <a:t>box-sizing : </a:t>
             </a:r>
             <a:r>
               <a:rPr lang="en-US" altLang="ko-KR" dirty="0" smtClean="0">
                 <a:latin typeface="배달의민족 주아" pitchFamily="18" charset="-127"/>
                 <a:ea typeface="배달의민족 주아" pitchFamily="18" charset="-127"/>
               </a:rPr>
-              <a:t>: border-box</a:t>
+              <a:t>border-box</a:t>
             </a:r>
             <a:endParaRPr lang="ko-KR" altLang="en-US" dirty="0">
               <a:latin typeface="배달의민족 주아" pitchFamily="18" charset="-127"/>
@@ -3567,10 +3563,692 @@
           </a:p>
         </p:txBody>
       </p:sp>
+      <p:sp>
+        <p:nvSpPr>
+          <p:cNvPr id="5" name="제목 1"/>
+          <p:cNvSpPr txBox="1">
+            <a:spLocks/>
+          </p:cNvSpPr>
+          <p:nvPr/>
+        </p:nvSpPr>
+        <p:spPr>
+          <a:xfrm>
+            <a:off x="757808" y="2564904"/>
+            <a:ext cx="7990656" cy="1680790"/>
+          </a:xfrm>
+          <a:prstGeom prst="rect">
+            <a:avLst/>
+          </a:prstGeom>
+        </p:spPr>
+        <p:txBody>
+          <a:bodyPr vert="horz" lIns="91440" tIns="45720" rIns="91440" bIns="45720" rtlCol="0" anchor="ctr">
+            <a:normAutofit fontScale="55000" lnSpcReduction="20000"/>
+          </a:bodyPr>
+          <a:lstStyle>
+            <a:lvl1pPr algn="ctr" defTabSz="914400" rtl="0" eaLnBrk="1" latinLnBrk="1" hangingPunct="1">
+              <a:spcBef>
+                <a:spcPct val="0"/>
+              </a:spcBef>
+              <a:buNone/>
+              <a:defRPr sz="4400" kern="1200">
+                <a:solidFill>
+                  <a:schemeClr val="tx1"/>
+                </a:solidFill>
+                <a:latin typeface="+mj-lt"/>
+                <a:ea typeface="+mj-ea"/>
+                <a:cs typeface="+mj-cs"/>
+              </a:defRPr>
+            </a:lvl1pPr>
+          </a:lstStyle>
+          <a:p>
+            <a:pPr algn="l"/>
+            <a:r>
+              <a:rPr lang="en-US" altLang="ko-KR" dirty="0" smtClean="0">
+                <a:latin typeface="배달의민족 주아" pitchFamily="18" charset="-127"/>
+                <a:ea typeface="배달의민족 주아" pitchFamily="18" charset="-127"/>
+              </a:rPr>
+              <a:t>width : 200px;</a:t>
+            </a:r>
+          </a:p>
+          <a:p>
+            <a:pPr algn="l"/>
+            <a:r>
+              <a:rPr lang="en-US" altLang="ko-KR" dirty="0" smtClean="0">
+                <a:latin typeface="배달의민족 주아" pitchFamily="18" charset="-127"/>
+                <a:ea typeface="배달의민족 주아" pitchFamily="18" charset="-127"/>
+              </a:rPr>
+              <a:t>height : 200px;</a:t>
+            </a:r>
+          </a:p>
+          <a:p>
+            <a:pPr algn="l"/>
+            <a:r>
+              <a:rPr lang="en-US" altLang="ko-KR" dirty="0" smtClean="0">
+                <a:latin typeface="배달의민족 주아" pitchFamily="18" charset="-127"/>
+                <a:ea typeface="배달의민족 주아" pitchFamily="18" charset="-127"/>
+              </a:rPr>
+              <a:t>padding : 20px;</a:t>
+            </a:r>
+          </a:p>
+          <a:p>
+            <a:pPr algn="l"/>
+            <a:r>
+              <a:rPr lang="en-US" altLang="ko-KR" dirty="0" smtClean="0">
+                <a:latin typeface="배달의민족 주아" pitchFamily="18" charset="-127"/>
+                <a:ea typeface="배달의민족 주아" pitchFamily="18" charset="-127"/>
+              </a:rPr>
+              <a:t>border : 5px solid black;</a:t>
+            </a:r>
+          </a:p>
+          <a:p>
+            <a:pPr algn="l"/>
+            <a:r>
+              <a:rPr lang="en-US" altLang="ko-KR" dirty="0" smtClean="0">
+                <a:latin typeface="배달의민족 주아" pitchFamily="18" charset="-127"/>
+                <a:ea typeface="배달의민족 주아" pitchFamily="18" charset="-127"/>
+              </a:rPr>
+              <a:t>box-sizing : content-box;</a:t>
+            </a:r>
+            <a:endParaRPr lang="ko-KR" altLang="en-US" dirty="0">
+              <a:latin typeface="배달의민족 주아" pitchFamily="18" charset="-127"/>
+              <a:ea typeface="배달의민족 주아" pitchFamily="18" charset="-127"/>
+            </a:endParaRPr>
+          </a:p>
+        </p:txBody>
+      </p:sp>
+      <p:sp>
+        <p:nvSpPr>
+          <p:cNvPr id="6" name="제목 1"/>
+          <p:cNvSpPr txBox="1">
+            <a:spLocks/>
+          </p:cNvSpPr>
+          <p:nvPr/>
+        </p:nvSpPr>
+        <p:spPr>
+          <a:xfrm>
+            <a:off x="-36512" y="1556792"/>
+            <a:ext cx="2952328" cy="1470025"/>
+          </a:xfrm>
+          <a:prstGeom prst="rect">
+            <a:avLst/>
+          </a:prstGeom>
+        </p:spPr>
+        <p:txBody>
+          <a:bodyPr vert="horz" lIns="91440" tIns="45720" rIns="91440" bIns="45720" rtlCol="0" anchor="ctr">
+            <a:normAutofit/>
+          </a:bodyPr>
+          <a:lstStyle>
+            <a:lvl1pPr algn="ctr" defTabSz="914400" rtl="0" eaLnBrk="1" latinLnBrk="1" hangingPunct="1">
+              <a:spcBef>
+                <a:spcPct val="0"/>
+              </a:spcBef>
+              <a:buNone/>
+              <a:defRPr sz="4400" kern="1200">
+                <a:solidFill>
+                  <a:schemeClr val="tx1"/>
+                </a:solidFill>
+                <a:latin typeface="+mj-lt"/>
+                <a:ea typeface="+mj-ea"/>
+                <a:cs typeface="+mj-cs"/>
+              </a:defRPr>
+            </a:lvl1pPr>
+          </a:lstStyle>
+          <a:p>
+            <a:r>
+              <a:rPr lang="en-US" altLang="ko-KR" dirty="0" smtClean="0">
+                <a:solidFill>
+                  <a:schemeClr val="accent6">
+                    <a:lumMod val="60000"/>
+                    <a:lumOff val="40000"/>
+                  </a:schemeClr>
+                </a:solidFill>
+                <a:latin typeface="배달의민족 주아" pitchFamily="18" charset="-127"/>
+                <a:ea typeface="배달의민족 주아" pitchFamily="18" charset="-127"/>
+              </a:rPr>
+              <a:t>style</a:t>
+            </a:r>
+            <a:endParaRPr lang="ko-KR" altLang="en-US" dirty="0">
+              <a:solidFill>
+                <a:schemeClr val="accent6">
+                  <a:lumMod val="60000"/>
+                  <a:lumOff val="40000"/>
+                </a:schemeClr>
+              </a:solidFill>
+              <a:latin typeface="배달의민족 주아" pitchFamily="18" charset="-127"/>
+              <a:ea typeface="배달의민족 주아" pitchFamily="18" charset="-127"/>
+            </a:endParaRPr>
+          </a:p>
+        </p:txBody>
+      </p:sp>
+      <p:pic>
+        <p:nvPicPr>
+          <p:cNvPr id="1027" name="Picture 3"/>
+          <p:cNvPicPr>
+            <a:picLocks noChangeAspect="1" noChangeArrowheads="1"/>
+          </p:cNvPicPr>
+          <p:nvPr/>
+        </p:nvPicPr>
+        <p:blipFill>
+          <a:blip r:embed="rId2">
+            <a:extLst>
+              <a:ext uri="{28A0092B-C50C-407E-A947-70E740481C1C}">
+                <a14:useLocalDpi xmlns:a14="http://schemas.microsoft.com/office/drawing/2010/main" val="0"/>
+              </a:ext>
+            </a:extLst>
+          </a:blip>
+          <a:srcRect/>
+          <a:stretch>
+            <a:fillRect/>
+          </a:stretch>
+        </p:blipFill>
+        <p:spPr bwMode="auto">
+          <a:xfrm>
+            <a:off x="4738679" y="2034147"/>
+            <a:ext cx="1922143" cy="2330957"/>
+          </a:xfrm>
+          <a:prstGeom prst="rect">
+            <a:avLst/>
+          </a:prstGeom>
+          <a:noFill/>
+          <a:ln>
+            <a:noFill/>
+          </a:ln>
+          <a:effectLst/>
+          <a:extLst>
+            <a:ext uri="{909E8E84-426E-40DD-AFC4-6F175D3DCCD1}">
+              <a14:hiddenFill xmlns:a14="http://schemas.microsoft.com/office/drawing/2010/main">
+                <a:solidFill>
+                  <a:schemeClr val="accent1"/>
+                </a:solidFill>
+              </a14:hiddenFill>
+            </a:ext>
+            <a:ext uri="{91240B29-F687-4F45-9708-019B960494DF}">
+              <a14:hiddenLine xmlns:a14="http://schemas.microsoft.com/office/drawing/2010/main" w="9525">
+                <a:solidFill>
+                  <a:schemeClr val="tx1"/>
+                </a:solidFill>
+                <a:miter lim="800000"/>
+                <a:headEnd/>
+                <a:tailEnd/>
+              </a14:hiddenLine>
+            </a:ext>
+            <a:ext uri="{AF507438-7753-43E0-B8FC-AC1667EBCBE1}">
+              <a14:hiddenEffects xmlns:a14="http://schemas.microsoft.com/office/drawing/2010/main">
+                <a:effectLst>
+                  <a:outerShdw dist="35921" dir="2700000" algn="ctr" rotWithShape="0">
+                    <a:schemeClr val="bg2"/>
+                  </a:outerShdw>
+                </a:effectLst>
+              </a14:hiddenEffects>
+            </a:ext>
+          </a:extLst>
+        </p:spPr>
+      </p:pic>
+      <p:sp>
+        <p:nvSpPr>
+          <p:cNvPr id="7" name="제목 1"/>
+          <p:cNvSpPr txBox="1">
+            <a:spLocks/>
+          </p:cNvSpPr>
+          <p:nvPr/>
+        </p:nvSpPr>
+        <p:spPr>
+          <a:xfrm>
+            <a:off x="757808" y="4941168"/>
+            <a:ext cx="7990656" cy="1680790"/>
+          </a:xfrm>
+          <a:prstGeom prst="rect">
+            <a:avLst/>
+          </a:prstGeom>
+        </p:spPr>
+        <p:txBody>
+          <a:bodyPr vert="horz" lIns="91440" tIns="45720" rIns="91440" bIns="45720" rtlCol="0" anchor="ctr">
+            <a:normAutofit fontScale="55000" lnSpcReduction="20000"/>
+          </a:bodyPr>
+          <a:lstStyle>
+            <a:lvl1pPr algn="ctr" defTabSz="914400" rtl="0" eaLnBrk="1" latinLnBrk="1" hangingPunct="1">
+              <a:spcBef>
+                <a:spcPct val="0"/>
+              </a:spcBef>
+              <a:buNone/>
+              <a:defRPr sz="4400" kern="1200">
+                <a:solidFill>
+                  <a:schemeClr val="tx1"/>
+                </a:solidFill>
+                <a:latin typeface="+mj-lt"/>
+                <a:ea typeface="+mj-ea"/>
+                <a:cs typeface="+mj-cs"/>
+              </a:defRPr>
+            </a:lvl1pPr>
+          </a:lstStyle>
+          <a:p>
+            <a:pPr algn="l"/>
+            <a:r>
+              <a:rPr lang="en-US" altLang="ko-KR" dirty="0" smtClean="0">
+                <a:latin typeface="배달의민족 주아" pitchFamily="18" charset="-127"/>
+                <a:ea typeface="배달의민족 주아" pitchFamily="18" charset="-127"/>
+              </a:rPr>
+              <a:t>width : 200px;</a:t>
+            </a:r>
+          </a:p>
+          <a:p>
+            <a:pPr algn="l"/>
+            <a:r>
+              <a:rPr lang="en-US" altLang="ko-KR" dirty="0" smtClean="0">
+                <a:latin typeface="배달의민족 주아" pitchFamily="18" charset="-127"/>
+                <a:ea typeface="배달의민족 주아" pitchFamily="18" charset="-127"/>
+              </a:rPr>
+              <a:t>height : 200px;</a:t>
+            </a:r>
+          </a:p>
+          <a:p>
+            <a:pPr algn="l"/>
+            <a:r>
+              <a:rPr lang="en-US" altLang="ko-KR" dirty="0" smtClean="0">
+                <a:latin typeface="배달의민족 주아" pitchFamily="18" charset="-127"/>
+                <a:ea typeface="배달의민족 주아" pitchFamily="18" charset="-127"/>
+              </a:rPr>
+              <a:t>padding : 20px;</a:t>
+            </a:r>
+          </a:p>
+          <a:p>
+            <a:pPr algn="l"/>
+            <a:r>
+              <a:rPr lang="en-US" altLang="ko-KR" dirty="0" smtClean="0">
+                <a:latin typeface="배달의민족 주아" pitchFamily="18" charset="-127"/>
+                <a:ea typeface="배달의민족 주아" pitchFamily="18" charset="-127"/>
+              </a:rPr>
+              <a:t>border : 5px solid black;</a:t>
+            </a:r>
+          </a:p>
+          <a:p>
+            <a:pPr algn="l"/>
+            <a:r>
+              <a:rPr lang="en-US" altLang="ko-KR" dirty="0" smtClean="0">
+                <a:latin typeface="배달의민족 주아" pitchFamily="18" charset="-127"/>
+                <a:ea typeface="배달의민족 주아" pitchFamily="18" charset="-127"/>
+              </a:rPr>
+              <a:t>box-sizing : border-box;</a:t>
+            </a:r>
+            <a:endParaRPr lang="ko-KR" altLang="en-US" dirty="0">
+              <a:latin typeface="배달의민족 주아" pitchFamily="18" charset="-127"/>
+              <a:ea typeface="배달의민족 주아" pitchFamily="18" charset="-127"/>
+            </a:endParaRPr>
+          </a:p>
+        </p:txBody>
+      </p:sp>
+      <p:sp>
+        <p:nvSpPr>
+          <p:cNvPr id="8" name="제목 1"/>
+          <p:cNvSpPr txBox="1">
+            <a:spLocks/>
+          </p:cNvSpPr>
+          <p:nvPr/>
+        </p:nvSpPr>
+        <p:spPr>
+          <a:xfrm>
+            <a:off x="-36512" y="3933056"/>
+            <a:ext cx="2952328" cy="1470025"/>
+          </a:xfrm>
+          <a:prstGeom prst="rect">
+            <a:avLst/>
+          </a:prstGeom>
+        </p:spPr>
+        <p:txBody>
+          <a:bodyPr vert="horz" lIns="91440" tIns="45720" rIns="91440" bIns="45720" rtlCol="0" anchor="ctr">
+            <a:normAutofit/>
+          </a:bodyPr>
+          <a:lstStyle>
+            <a:lvl1pPr algn="ctr" defTabSz="914400" rtl="0" eaLnBrk="1" latinLnBrk="1" hangingPunct="1">
+              <a:spcBef>
+                <a:spcPct val="0"/>
+              </a:spcBef>
+              <a:buNone/>
+              <a:defRPr sz="4400" kern="1200">
+                <a:solidFill>
+                  <a:schemeClr val="tx1"/>
+                </a:solidFill>
+                <a:latin typeface="+mj-lt"/>
+                <a:ea typeface="+mj-ea"/>
+                <a:cs typeface="+mj-cs"/>
+              </a:defRPr>
+            </a:lvl1pPr>
+          </a:lstStyle>
+          <a:p>
+            <a:r>
+              <a:rPr lang="en-US" altLang="ko-KR" dirty="0" smtClean="0">
+                <a:solidFill>
+                  <a:schemeClr val="accent6">
+                    <a:lumMod val="60000"/>
+                    <a:lumOff val="40000"/>
+                  </a:schemeClr>
+                </a:solidFill>
+                <a:latin typeface="배달의민족 주아" pitchFamily="18" charset="-127"/>
+                <a:ea typeface="배달의민족 주아" pitchFamily="18" charset="-127"/>
+              </a:rPr>
+              <a:t>style</a:t>
+            </a:r>
+            <a:endParaRPr lang="ko-KR" altLang="en-US" dirty="0">
+              <a:solidFill>
+                <a:schemeClr val="accent6">
+                  <a:lumMod val="60000"/>
+                  <a:lumOff val="40000"/>
+                </a:schemeClr>
+              </a:solidFill>
+              <a:latin typeface="배달의민족 주아" pitchFamily="18" charset="-127"/>
+              <a:ea typeface="배달의민족 주아" pitchFamily="18" charset="-127"/>
+            </a:endParaRPr>
+          </a:p>
+        </p:txBody>
+      </p:sp>
+      <p:pic>
+        <p:nvPicPr>
+          <p:cNvPr id="3074" name="Picture 2"/>
+          <p:cNvPicPr>
+            <a:picLocks noChangeAspect="1" noChangeArrowheads="1"/>
+          </p:cNvPicPr>
+          <p:nvPr/>
+        </p:nvPicPr>
+        <p:blipFill>
+          <a:blip r:embed="rId3">
+            <a:extLst>
+              <a:ext uri="{28A0092B-C50C-407E-A947-70E740481C1C}">
+                <a14:useLocalDpi xmlns:a14="http://schemas.microsoft.com/office/drawing/2010/main" val="0"/>
+              </a:ext>
+            </a:extLst>
+          </a:blip>
+          <a:srcRect/>
+          <a:stretch>
+            <a:fillRect/>
+          </a:stretch>
+        </p:blipFill>
+        <p:spPr bwMode="auto">
+          <a:xfrm>
+            <a:off x="4738679" y="4365104"/>
+            <a:ext cx="1633521" cy="2093668"/>
+          </a:xfrm>
+          <a:prstGeom prst="rect">
+            <a:avLst/>
+          </a:prstGeom>
+          <a:noFill/>
+          <a:ln>
+            <a:noFill/>
+          </a:ln>
+          <a:effectLst/>
+          <a:extLst>
+            <a:ext uri="{909E8E84-426E-40DD-AFC4-6F175D3DCCD1}">
+              <a14:hiddenFill xmlns:a14="http://schemas.microsoft.com/office/drawing/2010/main">
+                <a:solidFill>
+                  <a:schemeClr val="accent1"/>
+                </a:solidFill>
+              </a14:hiddenFill>
+            </a:ext>
+            <a:ext uri="{91240B29-F687-4F45-9708-019B960494DF}">
+              <a14:hiddenLine xmlns:a14="http://schemas.microsoft.com/office/drawing/2010/main" w="9525">
+                <a:solidFill>
+                  <a:schemeClr val="tx1"/>
+                </a:solidFill>
+                <a:miter lim="800000"/>
+                <a:headEnd/>
+                <a:tailEnd/>
+              </a14:hiddenLine>
+            </a:ext>
+            <a:ext uri="{AF507438-7753-43E0-B8FC-AC1667EBCBE1}">
+              <a14:hiddenEffects xmlns:a14="http://schemas.microsoft.com/office/drawing/2010/main">
+                <a:effectLst>
+                  <a:outerShdw dist="35921" dir="2700000" algn="ctr" rotWithShape="0">
+                    <a:schemeClr val="bg2"/>
+                  </a:outerShdw>
+                </a:effectLst>
+              </a14:hiddenEffects>
+            </a:ext>
+          </a:extLst>
+        </p:spPr>
+      </p:pic>
+      <p:sp>
+        <p:nvSpPr>
+          <p:cNvPr id="9" name="원호 8"/>
+          <p:cNvSpPr/>
+          <p:nvPr/>
+        </p:nvSpPr>
+        <p:spPr>
+          <a:xfrm>
+            <a:off x="5940152" y="4941168"/>
+            <a:ext cx="720670" cy="1008112"/>
+          </a:xfrm>
+          <a:prstGeom prst="arc">
+            <a:avLst>
+              <a:gd name="adj1" fmla="val 16200000"/>
+              <a:gd name="adj2" fmla="val 171450"/>
+            </a:avLst>
+          </a:prstGeom>
+        </p:spPr>
+        <p:style>
+          <a:lnRef idx="1">
+            <a:schemeClr val="accent1"/>
+          </a:lnRef>
+          <a:fillRef idx="0">
+            <a:schemeClr val="accent1"/>
+          </a:fillRef>
+          <a:effectRef idx="0">
+            <a:schemeClr val="accent1"/>
+          </a:effectRef>
+          <a:fontRef idx="minor">
+            <a:schemeClr val="tx1"/>
+          </a:fontRef>
+        </p:style>
+        <p:txBody>
+          <a:bodyPr rtlCol="0" anchor="ctr"/>
+          <a:lstStyle/>
+          <a:p>
+            <a:pPr algn="ctr"/>
+            <a:endParaRPr lang="ko-KR" altLang="en-US"/>
+          </a:p>
+        </p:txBody>
+      </p:sp>
+      <p:sp>
+        <p:nvSpPr>
+          <p:cNvPr id="12" name="원호 11"/>
+          <p:cNvSpPr/>
+          <p:nvPr/>
+        </p:nvSpPr>
+        <p:spPr>
+          <a:xfrm rot="5400000">
+            <a:off x="5813580" y="5476817"/>
+            <a:ext cx="973814" cy="720670"/>
+          </a:xfrm>
+          <a:prstGeom prst="arc">
+            <a:avLst>
+              <a:gd name="adj1" fmla="val 16200000"/>
+              <a:gd name="adj2" fmla="val 171450"/>
+            </a:avLst>
+          </a:prstGeom>
+        </p:spPr>
+        <p:style>
+          <a:lnRef idx="1">
+            <a:schemeClr val="accent1"/>
+          </a:lnRef>
+          <a:fillRef idx="0">
+            <a:schemeClr val="accent1"/>
+          </a:fillRef>
+          <a:effectRef idx="0">
+            <a:schemeClr val="accent1"/>
+          </a:effectRef>
+          <a:fontRef idx="minor">
+            <a:schemeClr val="tx1"/>
+          </a:fontRef>
+        </p:style>
+        <p:txBody>
+          <a:bodyPr rtlCol="0" anchor="ctr"/>
+          <a:lstStyle/>
+          <a:p>
+            <a:pPr algn="ctr"/>
+            <a:endParaRPr lang="ko-KR" altLang="en-US"/>
+          </a:p>
+        </p:txBody>
+      </p:sp>
+      <p:sp>
+        <p:nvSpPr>
+          <p:cNvPr id="10" name="TextBox 9"/>
+          <p:cNvSpPr txBox="1"/>
+          <p:nvPr/>
+        </p:nvSpPr>
+        <p:spPr>
+          <a:xfrm>
+            <a:off x="6516216" y="5445224"/>
+            <a:ext cx="849913" cy="369332"/>
+          </a:xfrm>
+          <a:prstGeom prst="rect">
+            <a:avLst/>
+          </a:prstGeom>
+          <a:noFill/>
+        </p:spPr>
+        <p:txBody>
+          <a:bodyPr wrap="none" rtlCol="0">
+            <a:spAutoFit/>
+          </a:bodyPr>
+          <a:lstStyle/>
+          <a:p>
+            <a:r>
+              <a:rPr lang="en-US" altLang="ko-KR" dirty="0" smtClean="0">
+                <a:solidFill>
+                  <a:schemeClr val="accent6"/>
+                </a:solidFill>
+              </a:rPr>
+              <a:t>height</a:t>
+            </a:r>
+            <a:endParaRPr lang="ko-KR" altLang="en-US" dirty="0">
+              <a:solidFill>
+                <a:schemeClr val="accent6"/>
+              </a:solidFill>
+            </a:endParaRPr>
+          </a:p>
+        </p:txBody>
+      </p:sp>
+      <p:sp>
+        <p:nvSpPr>
+          <p:cNvPr id="14" name="원호 13"/>
+          <p:cNvSpPr/>
+          <p:nvPr/>
+        </p:nvSpPr>
+        <p:spPr>
+          <a:xfrm rot="5400000">
+            <a:off x="5512073" y="5857922"/>
+            <a:ext cx="807402" cy="720670"/>
+          </a:xfrm>
+          <a:prstGeom prst="arc">
+            <a:avLst>
+              <a:gd name="adj1" fmla="val 16200000"/>
+              <a:gd name="adj2" fmla="val 171450"/>
+            </a:avLst>
+          </a:prstGeom>
+        </p:spPr>
+        <p:style>
+          <a:lnRef idx="1">
+            <a:schemeClr val="accent1"/>
+          </a:lnRef>
+          <a:fillRef idx="0">
+            <a:schemeClr val="accent1"/>
+          </a:fillRef>
+          <a:effectRef idx="0">
+            <a:schemeClr val="accent1"/>
+          </a:effectRef>
+          <a:fontRef idx="minor">
+            <a:schemeClr val="tx1"/>
+          </a:fontRef>
+        </p:style>
+        <p:txBody>
+          <a:bodyPr rtlCol="0" anchor="ctr"/>
+          <a:lstStyle/>
+          <a:p>
+            <a:pPr algn="ctr"/>
+            <a:endParaRPr lang="ko-KR" altLang="en-US"/>
+          </a:p>
+        </p:txBody>
+      </p:sp>
+      <p:sp>
+        <p:nvSpPr>
+          <p:cNvPr id="15" name="원호 14"/>
+          <p:cNvSpPr/>
+          <p:nvPr/>
+        </p:nvSpPr>
+        <p:spPr>
+          <a:xfrm rot="9782534">
+            <a:off x="4804803" y="5917627"/>
+            <a:ext cx="807402" cy="720670"/>
+          </a:xfrm>
+          <a:prstGeom prst="arc">
+            <a:avLst>
+              <a:gd name="adj1" fmla="val 16200000"/>
+              <a:gd name="adj2" fmla="val 171450"/>
+            </a:avLst>
+          </a:prstGeom>
+        </p:spPr>
+        <p:style>
+          <a:lnRef idx="1">
+            <a:schemeClr val="accent1"/>
+          </a:lnRef>
+          <a:fillRef idx="0">
+            <a:schemeClr val="accent1"/>
+          </a:fillRef>
+          <a:effectRef idx="0">
+            <a:schemeClr val="accent1"/>
+          </a:effectRef>
+          <a:fontRef idx="minor">
+            <a:schemeClr val="tx1"/>
+          </a:fontRef>
+        </p:style>
+        <p:txBody>
+          <a:bodyPr rtlCol="0" anchor="ctr"/>
+          <a:lstStyle/>
+          <a:p>
+            <a:pPr algn="ctr"/>
+            <a:endParaRPr lang="ko-KR" altLang="en-US"/>
+          </a:p>
+        </p:txBody>
+      </p:sp>
+      <p:sp>
+        <p:nvSpPr>
+          <p:cNvPr id="16" name="TextBox 15"/>
+          <p:cNvSpPr txBox="1"/>
+          <p:nvPr/>
+        </p:nvSpPr>
+        <p:spPr>
+          <a:xfrm>
+            <a:off x="5197606" y="6462628"/>
+            <a:ext cx="763351" cy="369332"/>
+          </a:xfrm>
+          <a:prstGeom prst="rect">
+            <a:avLst/>
+          </a:prstGeom>
+          <a:noFill/>
+        </p:spPr>
+        <p:txBody>
+          <a:bodyPr wrap="none" rtlCol="0">
+            <a:spAutoFit/>
+          </a:bodyPr>
+          <a:lstStyle/>
+          <a:p>
+            <a:r>
+              <a:rPr lang="en-US" altLang="ko-KR" dirty="0" smtClean="0">
+                <a:solidFill>
+                  <a:schemeClr val="accent6"/>
+                </a:solidFill>
+              </a:rPr>
+              <a:t>width</a:t>
+            </a:r>
+            <a:endParaRPr lang="ko-KR" altLang="en-US" dirty="0">
+              <a:solidFill>
+                <a:schemeClr val="accent6"/>
+              </a:solidFill>
+            </a:endParaRPr>
+          </a:p>
+        </p:txBody>
+      </p:sp>
     </p:spTree>
     <p:extLst>
       <p:ext uri="{BB962C8B-B14F-4D97-AF65-F5344CB8AC3E}">
-        <p14:creationId xmlns:p14="http://schemas.microsoft.com/office/powerpoint/2010/main" val="2720767710"/>
+        <p14:creationId xmlns:p14="http://schemas.microsoft.com/office/powerpoint/2010/main" val="2478678513"/>
       </p:ext>
     </p:extLst>
   </p:cSld>
@@ -3614,7 +4292,12 @@
             <p:ph type="ctrTitle"/>
           </p:nvPr>
         </p:nvSpPr>
-        <p:spPr/>
+        <p:spPr>
+          <a:xfrm>
+            <a:off x="467544" y="2132856"/>
+            <a:ext cx="7772400" cy="1470025"/>
+          </a:xfrm>
+        </p:spPr>
         <p:txBody>
           <a:bodyPr/>
           <a:lstStyle/>
@@ -3814,7 +4497,7 @@
         </p:nvSpPr>
         <p:spPr>
           <a:xfrm>
-            <a:off x="685800" y="3356992"/>
+            <a:off x="683568" y="3212976"/>
             <a:ext cx="7772400" cy="1470025"/>
           </a:xfrm>
           <a:prstGeom prst="rect">
@@ -3990,8 +4673,8 @@
         </p:nvSpPr>
         <p:spPr>
           <a:xfrm>
-            <a:off x="685800" y="332656"/>
-            <a:ext cx="7990656" cy="1470025"/>
+            <a:off x="685800" y="662831"/>
+            <a:ext cx="7772400" cy="1470025"/>
           </a:xfrm>
         </p:spPr>
         <p:txBody>
@@ -3999,18 +4682,32 @@
           <a:lstStyle/>
           <a:p>
             <a:r>
-              <a:rPr lang="en-US" altLang="ko-KR" dirty="0">
+              <a:rPr lang="ko-KR" altLang="en-US" dirty="0" smtClean="0">
                 <a:latin typeface="배달의민족 주아" pitchFamily="18" charset="-127"/>
                 <a:ea typeface="배달의민족 주아" pitchFamily="18" charset="-127"/>
               </a:rPr>
-              <a:t> </a:t>
-            </a:r>
-            <a:r>
-              <a:rPr lang="en-US" altLang="ko-KR" dirty="0" smtClean="0">
+              <a:t>배경 이미지 </a:t>
+            </a:r>
+            <a:r>
+              <a:rPr lang="ko-KR" altLang="en-US" dirty="0" smtClean="0">
                 <a:latin typeface="배달의민족 주아" pitchFamily="18" charset="-127"/>
                 <a:ea typeface="배달의민족 주아" pitchFamily="18" charset="-127"/>
               </a:rPr>
-              <a:t>background-image</a:t>
+              <a:t>속</a:t>
+            </a:r>
+            <a:r>
+              <a:rPr lang="ko-KR" altLang="en-US" dirty="0">
+                <a:latin typeface="배달의민족 주아" pitchFamily="18" charset="-127"/>
+                <a:ea typeface="배달의민족 주아" pitchFamily="18" charset="-127"/>
+              </a:rPr>
+              <a:t>성</a:t>
+            </a:r>
+            <a:r>
+              <a:rPr lang="ko-KR" altLang="en-US" dirty="0" smtClean="0">
+                <a:latin typeface="배달의민족 주아" pitchFamily="18" charset="-127"/>
+                <a:ea typeface="배달의민족 주아" pitchFamily="18" charset="-127"/>
+              </a:rPr>
+              <a:t>정리</a:t>
             </a:r>
             <a:endParaRPr lang="ko-KR" altLang="en-US" dirty="0">
               <a:latin typeface="배달의민족 주아" pitchFamily="18" charset="-127"/>
@@ -4176,10 +4873,313 @@
           </a:p>
         </p:txBody>
       </p:sp>
+      <p:graphicFrame>
+        <p:nvGraphicFramePr>
+          <p:cNvPr id="5" name="표 4"/>
+          <p:cNvGraphicFramePr>
+            <a:graphicFrameLocks noGrp="1"/>
+          </p:cNvGraphicFramePr>
+          <p:nvPr>
+            <p:extLst>
+              <p:ext uri="{D42A27DB-BD31-4B8C-83A1-F6EECF244321}">
+                <p14:modId xmlns:p14="http://schemas.microsoft.com/office/powerpoint/2010/main" val="104219745"/>
+              </p:ext>
+            </p:extLst>
+          </p:nvPr>
+        </p:nvGraphicFramePr>
+        <p:xfrm>
+          <a:off x="539553" y="2366888"/>
+          <a:ext cx="8247675" cy="2905512"/>
+        </p:xfrm>
+        <a:graphic>
+          <a:graphicData uri="http://schemas.openxmlformats.org/drawingml/2006/table">
+            <a:tbl>
+              <a:tblPr firstRow="1" bandRow="1">
+                <a:tableStyleId>{5C22544A-7EE6-4342-B048-85BDC9FD1C3A}</a:tableStyleId>
+              </a:tblPr>
+              <a:tblGrid>
+                <a:gridCol w="2749225"/>
+                <a:gridCol w="2749225"/>
+                <a:gridCol w="2749225"/>
+              </a:tblGrid>
+              <a:tr h="370840">
+                <a:tc>
+                  <a:txBody>
+                    <a:bodyPr/>
+                    <a:lstStyle/>
+                    <a:p>
+                      <a:pPr algn="ctr" latinLnBrk="1"/>
+                      <a:r>
+                        <a:rPr lang="ko-KR" altLang="en-US" dirty="0" smtClean="0"/>
+                        <a:t>속성</a:t>
+                      </a:r>
+                      <a:endParaRPr lang="ko-KR" altLang="en-US" dirty="0"/>
+                    </a:p>
+                  </a:txBody>
+                  <a:tcPr/>
+                </a:tc>
+                <a:tc>
+                  <a:txBody>
+                    <a:bodyPr/>
+                    <a:lstStyle/>
+                    <a:p>
+                      <a:pPr algn="ctr" latinLnBrk="1"/>
+                      <a:r>
+                        <a:rPr lang="ko-KR" altLang="en-US" dirty="0" smtClean="0"/>
+                        <a:t>설명</a:t>
+                      </a:r>
+                      <a:endParaRPr lang="ko-KR" altLang="en-US" dirty="0"/>
+                    </a:p>
+                  </a:txBody>
+                  <a:tcPr/>
+                </a:tc>
+                <a:tc>
+                  <a:txBody>
+                    <a:bodyPr/>
+                    <a:lstStyle/>
+                    <a:p>
+                      <a:pPr algn="ctr" latinLnBrk="1"/>
+                      <a:r>
+                        <a:rPr lang="ko-KR" altLang="en-US" dirty="0" smtClean="0"/>
+                        <a:t>예시</a:t>
+                      </a:r>
+                      <a:endParaRPr lang="ko-KR" altLang="en-US" dirty="0"/>
+                    </a:p>
+                  </a:txBody>
+                  <a:tcPr/>
+                </a:tc>
+              </a:tr>
+              <a:tr h="691272">
+                <a:tc>
+                  <a:txBody>
+                    <a:bodyPr/>
+                    <a:lstStyle/>
+                    <a:p>
+                      <a:pPr algn="ctr" latinLnBrk="1"/>
+                      <a:r>
+                        <a:rPr lang="en-US" altLang="ko-KR" dirty="0" smtClean="0"/>
+                        <a:t>background-image</a:t>
+                      </a:r>
+                      <a:endParaRPr lang="ko-KR" altLang="en-US" dirty="0"/>
+                    </a:p>
+                  </a:txBody>
+                  <a:tcPr/>
+                </a:tc>
+                <a:tc>
+                  <a:txBody>
+                    <a:bodyPr/>
+                    <a:lstStyle/>
+                    <a:p>
+                      <a:pPr algn="ctr" latinLnBrk="1"/>
+                      <a:r>
+                        <a:rPr lang="ko-KR" altLang="en-US" dirty="0" smtClean="0"/>
+                        <a:t>주소설정</a:t>
+                      </a:r>
+                      <a:endParaRPr lang="ko-KR" altLang="en-US" dirty="0"/>
+                    </a:p>
+                  </a:txBody>
+                  <a:tcPr/>
+                </a:tc>
+                <a:tc>
+                  <a:txBody>
+                    <a:bodyPr/>
+                    <a:lstStyle/>
+                    <a:p>
+                      <a:pPr algn="ctr" latinLnBrk="1"/>
+                      <a:r>
+                        <a:rPr lang="en-US" altLang="ko-KR" dirty="0" smtClean="0"/>
+                        <a:t>background-image</a:t>
+                      </a:r>
+                      <a:r>
+                        <a:rPr lang="en-US" altLang="ko-KR" baseline="0" dirty="0" smtClean="0"/>
+                        <a:t> : </a:t>
+                      </a:r>
+                      <a:r>
+                        <a:rPr lang="en-US" altLang="ko-KR" baseline="0" dirty="0" err="1" smtClean="0"/>
+                        <a:t>url</a:t>
+                      </a:r>
+                      <a:r>
+                        <a:rPr lang="en-US" altLang="ko-KR" baseline="0" dirty="0" smtClean="0"/>
+                        <a:t>(</a:t>
+                      </a:r>
+                      <a:r>
+                        <a:rPr lang="ko-KR" altLang="en-US" baseline="0" dirty="0" smtClean="0"/>
+                        <a:t>이미지주소</a:t>
+                      </a:r>
+                      <a:r>
+                        <a:rPr lang="en-US" altLang="ko-KR" baseline="0" dirty="0" smtClean="0"/>
+                        <a:t>);</a:t>
+                      </a:r>
+                      <a:endParaRPr lang="ko-KR" altLang="en-US" dirty="0"/>
+                    </a:p>
+                  </a:txBody>
+                  <a:tcPr/>
+                </a:tc>
+              </a:tr>
+              <a:tr h="370840">
+                <a:tc>
+                  <a:txBody>
+                    <a:bodyPr/>
+                    <a:lstStyle/>
+                    <a:p>
+                      <a:pPr algn="ctr" latinLnBrk="1"/>
+                      <a:r>
+                        <a:rPr lang="en-US" altLang="ko-KR" dirty="0" smtClean="0"/>
+                        <a:t>background-repeat</a:t>
+                      </a:r>
+                      <a:endParaRPr lang="ko-KR" altLang="en-US" dirty="0"/>
+                    </a:p>
+                  </a:txBody>
+                  <a:tcPr/>
+                </a:tc>
+                <a:tc>
+                  <a:txBody>
+                    <a:bodyPr/>
+                    <a:lstStyle/>
+                    <a:p>
+                      <a:pPr algn="ctr" latinLnBrk="1"/>
+                      <a:r>
+                        <a:rPr lang="ko-KR" altLang="en-US" dirty="0" smtClean="0"/>
+                        <a:t>반복여부설정</a:t>
+                      </a:r>
+                      <a:endParaRPr lang="ko-KR" altLang="en-US" dirty="0"/>
+                    </a:p>
+                  </a:txBody>
+                  <a:tcPr/>
+                </a:tc>
+                <a:tc>
+                  <a:txBody>
+                    <a:bodyPr/>
+                    <a:lstStyle/>
+                    <a:p>
+                      <a:pPr algn="ctr" latinLnBrk="1"/>
+                      <a:r>
+                        <a:rPr lang="en-US" altLang="ko-KR" dirty="0" smtClean="0"/>
+                        <a:t>background-repeat : </a:t>
+                      </a:r>
+                    </a:p>
+                    <a:p>
+                      <a:pPr algn="ctr" latinLnBrk="1"/>
+                      <a:r>
+                        <a:rPr lang="en-US" altLang="ko-KR" dirty="0" smtClean="0"/>
+                        <a:t>no-repeat</a:t>
+                      </a:r>
+                      <a:endParaRPr lang="ko-KR" altLang="en-US" dirty="0"/>
+                    </a:p>
+                  </a:txBody>
+                  <a:tcPr/>
+                </a:tc>
+              </a:tr>
+              <a:tr h="563240">
+                <a:tc>
+                  <a:txBody>
+                    <a:bodyPr/>
+                    <a:lstStyle/>
+                    <a:p>
+                      <a:pPr algn="ctr" latinLnBrk="1"/>
+                      <a:r>
+                        <a:rPr lang="en-US" altLang="ko-KR" dirty="0" smtClean="0"/>
+                        <a:t>background-size</a:t>
+                      </a:r>
+                      <a:endParaRPr lang="ko-KR" altLang="en-US" dirty="0"/>
+                    </a:p>
+                  </a:txBody>
+                  <a:tcPr/>
+                </a:tc>
+                <a:tc>
+                  <a:txBody>
+                    <a:bodyPr/>
+                    <a:lstStyle/>
+                    <a:p>
+                      <a:pPr algn="ctr" latinLnBrk="1"/>
+                      <a:r>
+                        <a:rPr lang="ko-KR" altLang="en-US" dirty="0" smtClean="0"/>
+                        <a:t>크기설정</a:t>
+                      </a:r>
+                      <a:endParaRPr lang="ko-KR" altLang="en-US" dirty="0"/>
+                    </a:p>
+                  </a:txBody>
+                  <a:tcPr/>
+                </a:tc>
+                <a:tc>
+                  <a:txBody>
+                    <a:bodyPr/>
+                    <a:lstStyle/>
+                    <a:p>
+                      <a:pPr algn="ctr" latinLnBrk="1"/>
+                      <a:r>
+                        <a:rPr lang="en-US" altLang="ko-KR" dirty="0" smtClean="0"/>
+                        <a:t>background-size : cover</a:t>
+                      </a:r>
+                      <a:endParaRPr lang="ko-KR" altLang="en-US" dirty="0"/>
+                    </a:p>
+                  </a:txBody>
+                  <a:tcPr/>
+                </a:tc>
+              </a:tr>
+              <a:tr h="370840">
+                <a:tc>
+                  <a:txBody>
+                    <a:bodyPr/>
+                    <a:lstStyle/>
+                    <a:p>
+                      <a:pPr algn="ctr" latinLnBrk="1"/>
+                      <a:r>
+                        <a:rPr lang="en-US" altLang="ko-KR" dirty="0" smtClean="0"/>
+                        <a:t>background-position</a:t>
+                      </a:r>
+                      <a:endParaRPr lang="ko-KR" altLang="en-US" dirty="0"/>
+                    </a:p>
+                  </a:txBody>
+                  <a:tcPr/>
+                </a:tc>
+                <a:tc>
+                  <a:txBody>
+                    <a:bodyPr/>
+                    <a:lstStyle/>
+                    <a:p>
+                      <a:pPr algn="ctr" latinLnBrk="1"/>
+                      <a:r>
+                        <a:rPr lang="ko-KR" altLang="en-US" dirty="0" smtClean="0"/>
+                        <a:t>위치설정</a:t>
+                      </a:r>
+                      <a:endParaRPr lang="ko-KR" altLang="en-US" dirty="0"/>
+                    </a:p>
+                  </a:txBody>
+                  <a:tcPr/>
+                </a:tc>
+                <a:tc>
+                  <a:txBody>
+                    <a:bodyPr/>
+                    <a:lstStyle/>
+                    <a:p>
+                      <a:pPr algn="ctr" latinLnBrk="1"/>
+                      <a:r>
+                        <a:rPr lang="en-US" altLang="ko-KR" dirty="0" smtClean="0"/>
+                        <a:t>background-position</a:t>
+                      </a:r>
+                      <a:r>
+                        <a:rPr lang="en-US" altLang="ko-KR" baseline="0" dirty="0" smtClean="0"/>
+                        <a:t> : center </a:t>
+                      </a:r>
+                      <a:r>
+                        <a:rPr lang="en-US" altLang="ko-KR" baseline="0" dirty="0" err="1" smtClean="0"/>
+                        <a:t>center</a:t>
+                      </a:r>
+                      <a:endParaRPr lang="ko-KR" altLang="en-US" dirty="0"/>
+                    </a:p>
+                  </a:txBody>
+                  <a:tcPr/>
+                </a:tc>
+              </a:tr>
+            </a:tbl>
+          </a:graphicData>
+        </a:graphic>
+      </p:graphicFrame>
     </p:spTree>
     <p:extLst>
       <p:ext uri="{BB962C8B-B14F-4D97-AF65-F5344CB8AC3E}">
-        <p14:creationId xmlns:p14="http://schemas.microsoft.com/office/powerpoint/2010/main" val="2163337075"/>
+        <p14:creationId xmlns:p14="http://schemas.microsoft.com/office/powerpoint/2010/main" val="1814860537"/>
       </p:ext>
     </p:extLst>
   </p:cSld>
@@ -4197,1085 +5197,6 @@
 </file>
 
 <file path=ppt/slides/slide13.xml><?xml version="1.0" encoding="utf-8"?>
-<p:sld xmlns:a="http://schemas.openxmlformats.org/drawingml/2006/main" xmlns:r="http://schemas.openxmlformats.org/officeDocument/2006/relationships" xmlns:p="http://schemas.openxmlformats.org/presentationml/2006/main">
-  <p:cSld>
-    <p:spTree>
-      <p:nvGrpSpPr>
-        <p:cNvPr id="1" name=""/>
-        <p:cNvGrpSpPr/>
-        <p:nvPr/>
-      </p:nvGrpSpPr>
-      <p:grpSpPr>
-        <a:xfrm>
-          <a:off x="0" y="0"/>
-          <a:ext cx="0" cy="0"/>
-          <a:chOff x="0" y="0"/>
-          <a:chExt cx="0" cy="0"/>
-        </a:xfrm>
-      </p:grpSpPr>
-      <p:sp>
-        <p:nvSpPr>
-          <p:cNvPr id="2" name="제목 1"/>
-          <p:cNvSpPr>
-            <a:spLocks noGrp="1"/>
-          </p:cNvSpPr>
-          <p:nvPr>
-            <p:ph type="ctrTitle"/>
-          </p:nvPr>
-        </p:nvSpPr>
-        <p:spPr>
-          <a:xfrm>
-            <a:off x="685800" y="332656"/>
-            <a:ext cx="7990656" cy="1470025"/>
-          </a:xfrm>
-        </p:spPr>
-        <p:txBody>
-          <a:bodyPr/>
-          <a:lstStyle/>
-          <a:p>
-            <a:r>
-              <a:rPr lang="en-US" altLang="ko-KR" dirty="0">
-                <a:latin typeface="배달의민족 주아" pitchFamily="18" charset="-127"/>
-                <a:ea typeface="배달의민족 주아" pitchFamily="18" charset="-127"/>
-              </a:rPr>
-              <a:t> </a:t>
-            </a:r>
-            <a:r>
-              <a:rPr lang="en-US" altLang="ko-KR" dirty="0" smtClean="0">
-                <a:latin typeface="배달의민족 주아" pitchFamily="18" charset="-127"/>
-                <a:ea typeface="배달의민족 주아" pitchFamily="18" charset="-127"/>
-              </a:rPr>
-              <a:t>background-repeat</a:t>
-            </a:r>
-            <a:endParaRPr lang="ko-KR" altLang="en-US" dirty="0">
-              <a:latin typeface="배달의민족 주아" pitchFamily="18" charset="-127"/>
-              <a:ea typeface="배달의민족 주아" pitchFamily="18" charset="-127"/>
-            </a:endParaRPr>
-          </a:p>
-        </p:txBody>
-      </p:sp>
-      <p:sp>
-        <p:nvSpPr>
-          <p:cNvPr id="3" name="TextBox 2"/>
-          <p:cNvSpPr txBox="1"/>
-          <p:nvPr/>
-        </p:nvSpPr>
-        <p:spPr>
-          <a:xfrm>
-            <a:off x="6948264" y="6093296"/>
-            <a:ext cx="1838965" cy="369332"/>
-          </a:xfrm>
-          <a:prstGeom prst="rect">
-            <a:avLst/>
-          </a:prstGeom>
-          <a:noFill/>
-        </p:spPr>
-        <p:txBody>
-          <a:bodyPr wrap="none" rtlCol="0">
-            <a:spAutoFit/>
-          </a:bodyPr>
-          <a:lstStyle>
-            <a:defPPr>
-              <a:defRPr lang="ko-KR"/>
-            </a:defPPr>
-            <a:lvl1pPr marL="0" algn="l" defTabSz="914400" rtl="0" eaLnBrk="1" latinLnBrk="1" hangingPunct="1">
-              <a:defRPr sz="1800" kern="1200">
-                <a:solidFill>
-                  <a:schemeClr val="tx1"/>
-                </a:solidFill>
-                <a:latin typeface="+mn-lt"/>
-                <a:ea typeface="+mn-ea"/>
-                <a:cs typeface="+mn-cs"/>
-              </a:defRPr>
-            </a:lvl1pPr>
-            <a:lvl2pPr marL="457200" algn="l" defTabSz="914400" rtl="0" eaLnBrk="1" latinLnBrk="1" hangingPunct="1">
-              <a:defRPr sz="1800" kern="1200">
-                <a:solidFill>
-                  <a:schemeClr val="tx1"/>
-                </a:solidFill>
-                <a:latin typeface="+mn-lt"/>
-                <a:ea typeface="+mn-ea"/>
-                <a:cs typeface="+mn-cs"/>
-              </a:defRPr>
-            </a:lvl2pPr>
-            <a:lvl3pPr marL="914400" algn="l" defTabSz="914400" rtl="0" eaLnBrk="1" latinLnBrk="1" hangingPunct="1">
-              <a:defRPr sz="1800" kern="1200">
-                <a:solidFill>
-                  <a:schemeClr val="tx1"/>
-                </a:solidFill>
-                <a:latin typeface="+mn-lt"/>
-                <a:ea typeface="+mn-ea"/>
-                <a:cs typeface="+mn-cs"/>
-              </a:defRPr>
-            </a:lvl3pPr>
-            <a:lvl4pPr marL="1371600" algn="l" defTabSz="914400" rtl="0" eaLnBrk="1" latinLnBrk="1" hangingPunct="1">
-              <a:defRPr sz="1800" kern="1200">
-                <a:solidFill>
-                  <a:schemeClr val="tx1"/>
-                </a:solidFill>
-                <a:latin typeface="+mn-lt"/>
-                <a:ea typeface="+mn-ea"/>
-                <a:cs typeface="+mn-cs"/>
-              </a:defRPr>
-            </a:lvl4pPr>
-            <a:lvl5pPr marL="1828800" algn="l" defTabSz="914400" rtl="0" eaLnBrk="1" latinLnBrk="1" hangingPunct="1">
-              <a:defRPr sz="1800" kern="1200">
-                <a:solidFill>
-                  <a:schemeClr val="tx1"/>
-                </a:solidFill>
-                <a:latin typeface="+mn-lt"/>
-                <a:ea typeface="+mn-ea"/>
-                <a:cs typeface="+mn-cs"/>
-              </a:defRPr>
-            </a:lvl5pPr>
-            <a:lvl6pPr marL="2286000" algn="l" defTabSz="914400" rtl="0" eaLnBrk="1" latinLnBrk="1" hangingPunct="1">
-              <a:defRPr sz="1800" kern="1200">
-                <a:solidFill>
-                  <a:schemeClr val="tx1"/>
-                </a:solidFill>
-                <a:latin typeface="+mn-lt"/>
-                <a:ea typeface="+mn-ea"/>
-                <a:cs typeface="+mn-cs"/>
-              </a:defRPr>
-            </a:lvl6pPr>
-            <a:lvl7pPr marL="2743200" algn="l" defTabSz="914400" rtl="0" eaLnBrk="1" latinLnBrk="1" hangingPunct="1">
-              <a:defRPr sz="1800" kern="1200">
-                <a:solidFill>
-                  <a:schemeClr val="tx1"/>
-                </a:solidFill>
-                <a:latin typeface="+mn-lt"/>
-                <a:ea typeface="+mn-ea"/>
-                <a:cs typeface="+mn-cs"/>
-              </a:defRPr>
-            </a:lvl7pPr>
-            <a:lvl8pPr marL="3200400" algn="l" defTabSz="914400" rtl="0" eaLnBrk="1" latinLnBrk="1" hangingPunct="1">
-              <a:defRPr sz="1800" kern="1200">
-                <a:solidFill>
-                  <a:schemeClr val="tx1"/>
-                </a:solidFill>
-                <a:latin typeface="+mn-lt"/>
-                <a:ea typeface="+mn-ea"/>
-                <a:cs typeface="+mn-cs"/>
-              </a:defRPr>
-            </a:lvl8pPr>
-            <a:lvl9pPr marL="3657600" algn="l" defTabSz="914400" rtl="0" eaLnBrk="1" latinLnBrk="1" hangingPunct="1">
-              <a:defRPr sz="1800" kern="1200">
-                <a:solidFill>
-                  <a:schemeClr val="tx1"/>
-                </a:solidFill>
-                <a:latin typeface="+mn-lt"/>
-                <a:ea typeface="+mn-ea"/>
-                <a:cs typeface="+mn-cs"/>
-              </a:defRPr>
-            </a:lvl9pPr>
-          </a:lstStyle>
-          <a:p>
-            <a:r>
-              <a:rPr lang="en-US" altLang="ko-KR" dirty="0" smtClean="0">
-                <a:solidFill>
-                  <a:schemeClr val="accent5"/>
-                </a:solidFill>
-                <a:latin typeface="배달의민족 도현" pitchFamily="50" charset="-127"/>
-                <a:ea typeface="배달의민족 도현" pitchFamily="50" charset="-127"/>
-              </a:rPr>
-              <a:t>S</a:t>
-            </a:r>
-            <a:r>
-              <a:rPr lang="en-US" altLang="ko-KR" dirty="0" smtClean="0">
-                <a:latin typeface="배달의민족 도현" pitchFamily="50" charset="-127"/>
-                <a:ea typeface="배달의민족 도현" pitchFamily="50" charset="-127"/>
-              </a:rPr>
-              <a:t>TART</a:t>
-            </a:r>
-            <a:r>
-              <a:rPr lang="en-US" altLang="ko-KR" dirty="0" smtClean="0">
-                <a:solidFill>
-                  <a:schemeClr val="accent5"/>
-                </a:solidFill>
-                <a:latin typeface="배달의민족 도현" pitchFamily="50" charset="-127"/>
-                <a:ea typeface="배달의민족 도현" pitchFamily="50" charset="-127"/>
-              </a:rPr>
-              <a:t>C</a:t>
-            </a:r>
-            <a:r>
-              <a:rPr lang="en-US" altLang="ko-KR" dirty="0" smtClean="0">
-                <a:latin typeface="배달의민족 도현" pitchFamily="50" charset="-127"/>
-                <a:ea typeface="배달의민족 도현" pitchFamily="50" charset="-127"/>
-              </a:rPr>
-              <a:t>ODING</a:t>
-            </a:r>
-            <a:endParaRPr lang="ko-KR" altLang="en-US" dirty="0">
-              <a:latin typeface="배달의민족 도현" pitchFamily="50" charset="-127"/>
-              <a:ea typeface="배달의민족 도현" pitchFamily="50" charset="-127"/>
-            </a:endParaRPr>
-          </a:p>
-        </p:txBody>
-      </p:sp>
-    </p:spTree>
-    <p:extLst>
-      <p:ext uri="{BB962C8B-B14F-4D97-AF65-F5344CB8AC3E}">
-        <p14:creationId xmlns:p14="http://schemas.microsoft.com/office/powerpoint/2010/main" val="3399888952"/>
-      </p:ext>
-    </p:extLst>
-  </p:cSld>
-  <p:clrMapOvr>
-    <a:masterClrMapping/>
-  </p:clrMapOvr>
-  <p:timing>
-    <p:tnLst>
-      <p:par>
-        <p:cTn id="1" dur="indefinite" restart="never" nodeType="tmRoot"/>
-      </p:par>
-    </p:tnLst>
-  </p:timing>
-</p:sld>
-</file>
-
-<file path=ppt/slides/slide14.xml><?xml version="1.0" encoding="utf-8"?>
-<p:sld xmlns:a="http://schemas.openxmlformats.org/drawingml/2006/main" xmlns:r="http://schemas.openxmlformats.org/officeDocument/2006/relationships" xmlns:p="http://schemas.openxmlformats.org/presentationml/2006/main">
-  <p:cSld>
-    <p:spTree>
-      <p:nvGrpSpPr>
-        <p:cNvPr id="1" name=""/>
-        <p:cNvGrpSpPr/>
-        <p:nvPr/>
-      </p:nvGrpSpPr>
-      <p:grpSpPr>
-        <a:xfrm>
-          <a:off x="0" y="0"/>
-          <a:ext cx="0" cy="0"/>
-          <a:chOff x="0" y="0"/>
-          <a:chExt cx="0" cy="0"/>
-        </a:xfrm>
-      </p:grpSpPr>
-      <p:sp>
-        <p:nvSpPr>
-          <p:cNvPr id="2" name="제목 1"/>
-          <p:cNvSpPr>
-            <a:spLocks noGrp="1"/>
-          </p:cNvSpPr>
-          <p:nvPr>
-            <p:ph type="ctrTitle"/>
-          </p:nvPr>
-        </p:nvSpPr>
-        <p:spPr>
-          <a:xfrm>
-            <a:off x="685800" y="332656"/>
-            <a:ext cx="7990656" cy="1470025"/>
-          </a:xfrm>
-        </p:spPr>
-        <p:txBody>
-          <a:bodyPr/>
-          <a:lstStyle/>
-          <a:p>
-            <a:r>
-              <a:rPr lang="en-US" altLang="ko-KR" dirty="0">
-                <a:latin typeface="배달의민족 주아" pitchFamily="18" charset="-127"/>
-                <a:ea typeface="배달의민족 주아" pitchFamily="18" charset="-127"/>
-              </a:rPr>
-              <a:t> </a:t>
-            </a:r>
-            <a:r>
-              <a:rPr lang="en-US" altLang="ko-KR" dirty="0" smtClean="0">
-                <a:latin typeface="배달의민족 주아" pitchFamily="18" charset="-127"/>
-                <a:ea typeface="배달의민족 주아" pitchFamily="18" charset="-127"/>
-              </a:rPr>
-              <a:t>background-size</a:t>
-            </a:r>
-            <a:endParaRPr lang="ko-KR" altLang="en-US" dirty="0">
-              <a:latin typeface="배달의민족 주아" pitchFamily="18" charset="-127"/>
-              <a:ea typeface="배달의민족 주아" pitchFamily="18" charset="-127"/>
-            </a:endParaRPr>
-          </a:p>
-        </p:txBody>
-      </p:sp>
-      <p:sp>
-        <p:nvSpPr>
-          <p:cNvPr id="3" name="TextBox 2"/>
-          <p:cNvSpPr txBox="1"/>
-          <p:nvPr/>
-        </p:nvSpPr>
-        <p:spPr>
-          <a:xfrm>
-            <a:off x="6948264" y="6093296"/>
-            <a:ext cx="1838965" cy="369332"/>
-          </a:xfrm>
-          <a:prstGeom prst="rect">
-            <a:avLst/>
-          </a:prstGeom>
-          <a:noFill/>
-        </p:spPr>
-        <p:txBody>
-          <a:bodyPr wrap="none" rtlCol="0">
-            <a:spAutoFit/>
-          </a:bodyPr>
-          <a:lstStyle>
-            <a:defPPr>
-              <a:defRPr lang="ko-KR"/>
-            </a:defPPr>
-            <a:lvl1pPr marL="0" algn="l" defTabSz="914400" rtl="0" eaLnBrk="1" latinLnBrk="1" hangingPunct="1">
-              <a:defRPr sz="1800" kern="1200">
-                <a:solidFill>
-                  <a:schemeClr val="tx1"/>
-                </a:solidFill>
-                <a:latin typeface="+mn-lt"/>
-                <a:ea typeface="+mn-ea"/>
-                <a:cs typeface="+mn-cs"/>
-              </a:defRPr>
-            </a:lvl1pPr>
-            <a:lvl2pPr marL="457200" algn="l" defTabSz="914400" rtl="0" eaLnBrk="1" latinLnBrk="1" hangingPunct="1">
-              <a:defRPr sz="1800" kern="1200">
-                <a:solidFill>
-                  <a:schemeClr val="tx1"/>
-                </a:solidFill>
-                <a:latin typeface="+mn-lt"/>
-                <a:ea typeface="+mn-ea"/>
-                <a:cs typeface="+mn-cs"/>
-              </a:defRPr>
-            </a:lvl2pPr>
-            <a:lvl3pPr marL="914400" algn="l" defTabSz="914400" rtl="0" eaLnBrk="1" latinLnBrk="1" hangingPunct="1">
-              <a:defRPr sz="1800" kern="1200">
-                <a:solidFill>
-                  <a:schemeClr val="tx1"/>
-                </a:solidFill>
-                <a:latin typeface="+mn-lt"/>
-                <a:ea typeface="+mn-ea"/>
-                <a:cs typeface="+mn-cs"/>
-              </a:defRPr>
-            </a:lvl3pPr>
-            <a:lvl4pPr marL="1371600" algn="l" defTabSz="914400" rtl="0" eaLnBrk="1" latinLnBrk="1" hangingPunct="1">
-              <a:defRPr sz="1800" kern="1200">
-                <a:solidFill>
-                  <a:schemeClr val="tx1"/>
-                </a:solidFill>
-                <a:latin typeface="+mn-lt"/>
-                <a:ea typeface="+mn-ea"/>
-                <a:cs typeface="+mn-cs"/>
-              </a:defRPr>
-            </a:lvl4pPr>
-            <a:lvl5pPr marL="1828800" algn="l" defTabSz="914400" rtl="0" eaLnBrk="1" latinLnBrk="1" hangingPunct="1">
-              <a:defRPr sz="1800" kern="1200">
-                <a:solidFill>
-                  <a:schemeClr val="tx1"/>
-                </a:solidFill>
-                <a:latin typeface="+mn-lt"/>
-                <a:ea typeface="+mn-ea"/>
-                <a:cs typeface="+mn-cs"/>
-              </a:defRPr>
-            </a:lvl5pPr>
-            <a:lvl6pPr marL="2286000" algn="l" defTabSz="914400" rtl="0" eaLnBrk="1" latinLnBrk="1" hangingPunct="1">
-              <a:defRPr sz="1800" kern="1200">
-                <a:solidFill>
-                  <a:schemeClr val="tx1"/>
-                </a:solidFill>
-                <a:latin typeface="+mn-lt"/>
-                <a:ea typeface="+mn-ea"/>
-                <a:cs typeface="+mn-cs"/>
-              </a:defRPr>
-            </a:lvl6pPr>
-            <a:lvl7pPr marL="2743200" algn="l" defTabSz="914400" rtl="0" eaLnBrk="1" latinLnBrk="1" hangingPunct="1">
-              <a:defRPr sz="1800" kern="1200">
-                <a:solidFill>
-                  <a:schemeClr val="tx1"/>
-                </a:solidFill>
-                <a:latin typeface="+mn-lt"/>
-                <a:ea typeface="+mn-ea"/>
-                <a:cs typeface="+mn-cs"/>
-              </a:defRPr>
-            </a:lvl7pPr>
-            <a:lvl8pPr marL="3200400" algn="l" defTabSz="914400" rtl="0" eaLnBrk="1" latinLnBrk="1" hangingPunct="1">
-              <a:defRPr sz="1800" kern="1200">
-                <a:solidFill>
-                  <a:schemeClr val="tx1"/>
-                </a:solidFill>
-                <a:latin typeface="+mn-lt"/>
-                <a:ea typeface="+mn-ea"/>
-                <a:cs typeface="+mn-cs"/>
-              </a:defRPr>
-            </a:lvl8pPr>
-            <a:lvl9pPr marL="3657600" algn="l" defTabSz="914400" rtl="0" eaLnBrk="1" latinLnBrk="1" hangingPunct="1">
-              <a:defRPr sz="1800" kern="1200">
-                <a:solidFill>
-                  <a:schemeClr val="tx1"/>
-                </a:solidFill>
-                <a:latin typeface="+mn-lt"/>
-                <a:ea typeface="+mn-ea"/>
-                <a:cs typeface="+mn-cs"/>
-              </a:defRPr>
-            </a:lvl9pPr>
-          </a:lstStyle>
-          <a:p>
-            <a:r>
-              <a:rPr lang="en-US" altLang="ko-KR" dirty="0" smtClean="0">
-                <a:solidFill>
-                  <a:schemeClr val="accent5"/>
-                </a:solidFill>
-                <a:latin typeface="배달의민족 도현" pitchFamily="50" charset="-127"/>
-                <a:ea typeface="배달의민족 도현" pitchFamily="50" charset="-127"/>
-              </a:rPr>
-              <a:t>S</a:t>
-            </a:r>
-            <a:r>
-              <a:rPr lang="en-US" altLang="ko-KR" dirty="0" smtClean="0">
-                <a:latin typeface="배달의민족 도현" pitchFamily="50" charset="-127"/>
-                <a:ea typeface="배달의민족 도현" pitchFamily="50" charset="-127"/>
-              </a:rPr>
-              <a:t>TART</a:t>
-            </a:r>
-            <a:r>
-              <a:rPr lang="en-US" altLang="ko-KR" dirty="0" smtClean="0">
-                <a:solidFill>
-                  <a:schemeClr val="accent5"/>
-                </a:solidFill>
-                <a:latin typeface="배달의민족 도현" pitchFamily="50" charset="-127"/>
-                <a:ea typeface="배달의민족 도현" pitchFamily="50" charset="-127"/>
-              </a:rPr>
-              <a:t>C</a:t>
-            </a:r>
-            <a:r>
-              <a:rPr lang="en-US" altLang="ko-KR" dirty="0" smtClean="0">
-                <a:latin typeface="배달의민족 도현" pitchFamily="50" charset="-127"/>
-                <a:ea typeface="배달의민족 도현" pitchFamily="50" charset="-127"/>
-              </a:rPr>
-              <a:t>ODING</a:t>
-            </a:r>
-            <a:endParaRPr lang="ko-KR" altLang="en-US" dirty="0">
-              <a:latin typeface="배달의민족 도현" pitchFamily="50" charset="-127"/>
-              <a:ea typeface="배달의민족 도현" pitchFamily="50" charset="-127"/>
-            </a:endParaRPr>
-          </a:p>
-        </p:txBody>
-      </p:sp>
-    </p:spTree>
-    <p:extLst>
-      <p:ext uri="{BB962C8B-B14F-4D97-AF65-F5344CB8AC3E}">
-        <p14:creationId xmlns:p14="http://schemas.microsoft.com/office/powerpoint/2010/main" val="3399888952"/>
-      </p:ext>
-    </p:extLst>
-  </p:cSld>
-  <p:clrMapOvr>
-    <a:masterClrMapping/>
-  </p:clrMapOvr>
-  <p:timing>
-    <p:tnLst>
-      <p:par>
-        <p:cTn id="1" dur="indefinite" restart="never" nodeType="tmRoot"/>
-      </p:par>
-    </p:tnLst>
-  </p:timing>
-</p:sld>
-</file>
-
-<file path=ppt/slides/slide15.xml><?xml version="1.0" encoding="utf-8"?>
-<p:sld xmlns:a="http://schemas.openxmlformats.org/drawingml/2006/main" xmlns:r="http://schemas.openxmlformats.org/officeDocument/2006/relationships" xmlns:p="http://schemas.openxmlformats.org/presentationml/2006/main">
-  <p:cSld>
-    <p:spTree>
-      <p:nvGrpSpPr>
-        <p:cNvPr id="1" name=""/>
-        <p:cNvGrpSpPr/>
-        <p:nvPr/>
-      </p:nvGrpSpPr>
-      <p:grpSpPr>
-        <a:xfrm>
-          <a:off x="0" y="0"/>
-          <a:ext cx="0" cy="0"/>
-          <a:chOff x="0" y="0"/>
-          <a:chExt cx="0" cy="0"/>
-        </a:xfrm>
-      </p:grpSpPr>
-      <p:sp>
-        <p:nvSpPr>
-          <p:cNvPr id="2" name="제목 1"/>
-          <p:cNvSpPr>
-            <a:spLocks noGrp="1"/>
-          </p:cNvSpPr>
-          <p:nvPr>
-            <p:ph type="ctrTitle"/>
-          </p:nvPr>
-        </p:nvSpPr>
-        <p:spPr>
-          <a:xfrm>
-            <a:off x="685800" y="332656"/>
-            <a:ext cx="7990656" cy="1470025"/>
-          </a:xfrm>
-        </p:spPr>
-        <p:txBody>
-          <a:bodyPr/>
-          <a:lstStyle/>
-          <a:p>
-            <a:r>
-              <a:rPr lang="en-US" altLang="ko-KR" dirty="0">
-                <a:latin typeface="배달의민족 주아" pitchFamily="18" charset="-127"/>
-                <a:ea typeface="배달의민족 주아" pitchFamily="18" charset="-127"/>
-              </a:rPr>
-              <a:t> </a:t>
-            </a:r>
-            <a:r>
-              <a:rPr lang="en-US" altLang="ko-KR" dirty="0" smtClean="0">
-                <a:latin typeface="배달의민족 주아" pitchFamily="18" charset="-127"/>
-                <a:ea typeface="배달의민족 주아" pitchFamily="18" charset="-127"/>
-              </a:rPr>
-              <a:t>background-position</a:t>
-            </a:r>
-            <a:endParaRPr lang="ko-KR" altLang="en-US" dirty="0">
-              <a:latin typeface="배달의민족 주아" pitchFamily="18" charset="-127"/>
-              <a:ea typeface="배달의민족 주아" pitchFamily="18" charset="-127"/>
-            </a:endParaRPr>
-          </a:p>
-        </p:txBody>
-      </p:sp>
-      <p:sp>
-        <p:nvSpPr>
-          <p:cNvPr id="3" name="TextBox 2"/>
-          <p:cNvSpPr txBox="1"/>
-          <p:nvPr/>
-        </p:nvSpPr>
-        <p:spPr>
-          <a:xfrm>
-            <a:off x="6948264" y="6093296"/>
-            <a:ext cx="1838965" cy="369332"/>
-          </a:xfrm>
-          <a:prstGeom prst="rect">
-            <a:avLst/>
-          </a:prstGeom>
-          <a:noFill/>
-        </p:spPr>
-        <p:txBody>
-          <a:bodyPr wrap="none" rtlCol="0">
-            <a:spAutoFit/>
-          </a:bodyPr>
-          <a:lstStyle>
-            <a:defPPr>
-              <a:defRPr lang="ko-KR"/>
-            </a:defPPr>
-            <a:lvl1pPr marL="0" algn="l" defTabSz="914400" rtl="0" eaLnBrk="1" latinLnBrk="1" hangingPunct="1">
-              <a:defRPr sz="1800" kern="1200">
-                <a:solidFill>
-                  <a:schemeClr val="tx1"/>
-                </a:solidFill>
-                <a:latin typeface="+mn-lt"/>
-                <a:ea typeface="+mn-ea"/>
-                <a:cs typeface="+mn-cs"/>
-              </a:defRPr>
-            </a:lvl1pPr>
-            <a:lvl2pPr marL="457200" algn="l" defTabSz="914400" rtl="0" eaLnBrk="1" latinLnBrk="1" hangingPunct="1">
-              <a:defRPr sz="1800" kern="1200">
-                <a:solidFill>
-                  <a:schemeClr val="tx1"/>
-                </a:solidFill>
-                <a:latin typeface="+mn-lt"/>
-                <a:ea typeface="+mn-ea"/>
-                <a:cs typeface="+mn-cs"/>
-              </a:defRPr>
-            </a:lvl2pPr>
-            <a:lvl3pPr marL="914400" algn="l" defTabSz="914400" rtl="0" eaLnBrk="1" latinLnBrk="1" hangingPunct="1">
-              <a:defRPr sz="1800" kern="1200">
-                <a:solidFill>
-                  <a:schemeClr val="tx1"/>
-                </a:solidFill>
-                <a:latin typeface="+mn-lt"/>
-                <a:ea typeface="+mn-ea"/>
-                <a:cs typeface="+mn-cs"/>
-              </a:defRPr>
-            </a:lvl3pPr>
-            <a:lvl4pPr marL="1371600" algn="l" defTabSz="914400" rtl="0" eaLnBrk="1" latinLnBrk="1" hangingPunct="1">
-              <a:defRPr sz="1800" kern="1200">
-                <a:solidFill>
-                  <a:schemeClr val="tx1"/>
-                </a:solidFill>
-                <a:latin typeface="+mn-lt"/>
-                <a:ea typeface="+mn-ea"/>
-                <a:cs typeface="+mn-cs"/>
-              </a:defRPr>
-            </a:lvl4pPr>
-            <a:lvl5pPr marL="1828800" algn="l" defTabSz="914400" rtl="0" eaLnBrk="1" latinLnBrk="1" hangingPunct="1">
-              <a:defRPr sz="1800" kern="1200">
-                <a:solidFill>
-                  <a:schemeClr val="tx1"/>
-                </a:solidFill>
-                <a:latin typeface="+mn-lt"/>
-                <a:ea typeface="+mn-ea"/>
-                <a:cs typeface="+mn-cs"/>
-              </a:defRPr>
-            </a:lvl5pPr>
-            <a:lvl6pPr marL="2286000" algn="l" defTabSz="914400" rtl="0" eaLnBrk="1" latinLnBrk="1" hangingPunct="1">
-              <a:defRPr sz="1800" kern="1200">
-                <a:solidFill>
-                  <a:schemeClr val="tx1"/>
-                </a:solidFill>
-                <a:latin typeface="+mn-lt"/>
-                <a:ea typeface="+mn-ea"/>
-                <a:cs typeface="+mn-cs"/>
-              </a:defRPr>
-            </a:lvl6pPr>
-            <a:lvl7pPr marL="2743200" algn="l" defTabSz="914400" rtl="0" eaLnBrk="1" latinLnBrk="1" hangingPunct="1">
-              <a:defRPr sz="1800" kern="1200">
-                <a:solidFill>
-                  <a:schemeClr val="tx1"/>
-                </a:solidFill>
-                <a:latin typeface="+mn-lt"/>
-                <a:ea typeface="+mn-ea"/>
-                <a:cs typeface="+mn-cs"/>
-              </a:defRPr>
-            </a:lvl7pPr>
-            <a:lvl8pPr marL="3200400" algn="l" defTabSz="914400" rtl="0" eaLnBrk="1" latinLnBrk="1" hangingPunct="1">
-              <a:defRPr sz="1800" kern="1200">
-                <a:solidFill>
-                  <a:schemeClr val="tx1"/>
-                </a:solidFill>
-                <a:latin typeface="+mn-lt"/>
-                <a:ea typeface="+mn-ea"/>
-                <a:cs typeface="+mn-cs"/>
-              </a:defRPr>
-            </a:lvl8pPr>
-            <a:lvl9pPr marL="3657600" algn="l" defTabSz="914400" rtl="0" eaLnBrk="1" latinLnBrk="1" hangingPunct="1">
-              <a:defRPr sz="1800" kern="1200">
-                <a:solidFill>
-                  <a:schemeClr val="tx1"/>
-                </a:solidFill>
-                <a:latin typeface="+mn-lt"/>
-                <a:ea typeface="+mn-ea"/>
-                <a:cs typeface="+mn-cs"/>
-              </a:defRPr>
-            </a:lvl9pPr>
-          </a:lstStyle>
-          <a:p>
-            <a:r>
-              <a:rPr lang="en-US" altLang="ko-KR" dirty="0" smtClean="0">
-                <a:solidFill>
-                  <a:schemeClr val="accent5"/>
-                </a:solidFill>
-                <a:latin typeface="배달의민족 도현" pitchFamily="50" charset="-127"/>
-                <a:ea typeface="배달의민족 도현" pitchFamily="50" charset="-127"/>
-              </a:rPr>
-              <a:t>S</a:t>
-            </a:r>
-            <a:r>
-              <a:rPr lang="en-US" altLang="ko-KR" dirty="0" smtClean="0">
-                <a:latin typeface="배달의민족 도현" pitchFamily="50" charset="-127"/>
-                <a:ea typeface="배달의민족 도현" pitchFamily="50" charset="-127"/>
-              </a:rPr>
-              <a:t>TART</a:t>
-            </a:r>
-            <a:r>
-              <a:rPr lang="en-US" altLang="ko-KR" dirty="0" smtClean="0">
-                <a:solidFill>
-                  <a:schemeClr val="accent5"/>
-                </a:solidFill>
-                <a:latin typeface="배달의민족 도현" pitchFamily="50" charset="-127"/>
-                <a:ea typeface="배달의민족 도현" pitchFamily="50" charset="-127"/>
-              </a:rPr>
-              <a:t>C</a:t>
-            </a:r>
-            <a:r>
-              <a:rPr lang="en-US" altLang="ko-KR" dirty="0" smtClean="0">
-                <a:latin typeface="배달의민족 도현" pitchFamily="50" charset="-127"/>
-                <a:ea typeface="배달의민족 도현" pitchFamily="50" charset="-127"/>
-              </a:rPr>
-              <a:t>ODING</a:t>
-            </a:r>
-            <a:endParaRPr lang="ko-KR" altLang="en-US" dirty="0">
-              <a:latin typeface="배달의민족 도현" pitchFamily="50" charset="-127"/>
-              <a:ea typeface="배달의민족 도현" pitchFamily="50" charset="-127"/>
-            </a:endParaRPr>
-          </a:p>
-        </p:txBody>
-      </p:sp>
-    </p:spTree>
-    <p:extLst>
-      <p:ext uri="{BB962C8B-B14F-4D97-AF65-F5344CB8AC3E}">
-        <p14:creationId xmlns:p14="http://schemas.microsoft.com/office/powerpoint/2010/main" val="3399888952"/>
-      </p:ext>
-    </p:extLst>
-  </p:cSld>
-  <p:clrMapOvr>
-    <a:masterClrMapping/>
-  </p:clrMapOvr>
-  <p:timing>
-    <p:tnLst>
-      <p:par>
-        <p:cTn id="1" dur="indefinite" restart="never" nodeType="tmRoot"/>
-      </p:par>
-    </p:tnLst>
-  </p:timing>
-</p:sld>
-</file>
-
-<file path=ppt/slides/slide16.xml><?xml version="1.0" encoding="utf-8"?>
-<p:sld xmlns:a="http://schemas.openxmlformats.org/drawingml/2006/main" xmlns:r="http://schemas.openxmlformats.org/officeDocument/2006/relationships" xmlns:p="http://schemas.openxmlformats.org/presentationml/2006/main">
-  <p:cSld>
-    <p:spTree>
-      <p:nvGrpSpPr>
-        <p:cNvPr id="1" name=""/>
-        <p:cNvGrpSpPr/>
-        <p:nvPr/>
-      </p:nvGrpSpPr>
-      <p:grpSpPr>
-        <a:xfrm>
-          <a:off x="0" y="0"/>
-          <a:ext cx="0" cy="0"/>
-          <a:chOff x="0" y="0"/>
-          <a:chExt cx="0" cy="0"/>
-        </a:xfrm>
-      </p:grpSpPr>
-      <p:sp>
-        <p:nvSpPr>
-          <p:cNvPr id="2" name="제목 1"/>
-          <p:cNvSpPr>
-            <a:spLocks noGrp="1"/>
-          </p:cNvSpPr>
-          <p:nvPr>
-            <p:ph type="ctrTitle"/>
-          </p:nvPr>
-        </p:nvSpPr>
-        <p:spPr/>
-        <p:txBody>
-          <a:bodyPr/>
-          <a:lstStyle/>
-          <a:p>
-            <a:r>
-              <a:rPr lang="ko-KR" altLang="en-US" dirty="0" smtClean="0">
-                <a:latin typeface="배달의민족 주아" pitchFamily="18" charset="-127"/>
-                <a:ea typeface="배달의민족 주아" pitchFamily="18" charset="-127"/>
-              </a:rPr>
-              <a:t>배경 이미지 </a:t>
-            </a:r>
-            <a:r>
-              <a:rPr lang="ko-KR" altLang="en-US" dirty="0" smtClean="0">
-                <a:latin typeface="배달의민족 주아" pitchFamily="18" charset="-127"/>
-                <a:ea typeface="배달의민족 주아" pitchFamily="18" charset="-127"/>
-              </a:rPr>
-              <a:t>정</a:t>
-            </a:r>
-            <a:r>
-              <a:rPr lang="ko-KR" altLang="en-US" dirty="0">
-                <a:latin typeface="배달의민족 주아" pitchFamily="18" charset="-127"/>
-                <a:ea typeface="배달의민족 주아" pitchFamily="18" charset="-127"/>
-              </a:rPr>
-              <a:t>리</a:t>
-            </a:r>
-            <a:endParaRPr lang="ko-KR" altLang="en-US" dirty="0">
-              <a:latin typeface="배달의민족 주아" pitchFamily="18" charset="-127"/>
-              <a:ea typeface="배달의민족 주아" pitchFamily="18" charset="-127"/>
-            </a:endParaRPr>
-          </a:p>
-        </p:txBody>
-      </p:sp>
-      <p:sp>
-        <p:nvSpPr>
-          <p:cNvPr id="3" name="TextBox 2"/>
-          <p:cNvSpPr txBox="1"/>
-          <p:nvPr/>
-        </p:nvSpPr>
-        <p:spPr>
-          <a:xfrm>
-            <a:off x="6948264" y="6093296"/>
-            <a:ext cx="1838965" cy="369332"/>
-          </a:xfrm>
-          <a:prstGeom prst="rect">
-            <a:avLst/>
-          </a:prstGeom>
-          <a:noFill/>
-        </p:spPr>
-        <p:txBody>
-          <a:bodyPr wrap="none" rtlCol="0">
-            <a:spAutoFit/>
-          </a:bodyPr>
-          <a:lstStyle>
-            <a:defPPr>
-              <a:defRPr lang="ko-KR"/>
-            </a:defPPr>
-            <a:lvl1pPr marL="0" algn="l" defTabSz="914400" rtl="0" eaLnBrk="1" latinLnBrk="1" hangingPunct="1">
-              <a:defRPr sz="1800" kern="1200">
-                <a:solidFill>
-                  <a:schemeClr val="tx1"/>
-                </a:solidFill>
-                <a:latin typeface="+mn-lt"/>
-                <a:ea typeface="+mn-ea"/>
-                <a:cs typeface="+mn-cs"/>
-              </a:defRPr>
-            </a:lvl1pPr>
-            <a:lvl2pPr marL="457200" algn="l" defTabSz="914400" rtl="0" eaLnBrk="1" latinLnBrk="1" hangingPunct="1">
-              <a:defRPr sz="1800" kern="1200">
-                <a:solidFill>
-                  <a:schemeClr val="tx1"/>
-                </a:solidFill>
-                <a:latin typeface="+mn-lt"/>
-                <a:ea typeface="+mn-ea"/>
-                <a:cs typeface="+mn-cs"/>
-              </a:defRPr>
-            </a:lvl2pPr>
-            <a:lvl3pPr marL="914400" algn="l" defTabSz="914400" rtl="0" eaLnBrk="1" latinLnBrk="1" hangingPunct="1">
-              <a:defRPr sz="1800" kern="1200">
-                <a:solidFill>
-                  <a:schemeClr val="tx1"/>
-                </a:solidFill>
-                <a:latin typeface="+mn-lt"/>
-                <a:ea typeface="+mn-ea"/>
-                <a:cs typeface="+mn-cs"/>
-              </a:defRPr>
-            </a:lvl3pPr>
-            <a:lvl4pPr marL="1371600" algn="l" defTabSz="914400" rtl="0" eaLnBrk="1" latinLnBrk="1" hangingPunct="1">
-              <a:defRPr sz="1800" kern="1200">
-                <a:solidFill>
-                  <a:schemeClr val="tx1"/>
-                </a:solidFill>
-                <a:latin typeface="+mn-lt"/>
-                <a:ea typeface="+mn-ea"/>
-                <a:cs typeface="+mn-cs"/>
-              </a:defRPr>
-            </a:lvl4pPr>
-            <a:lvl5pPr marL="1828800" algn="l" defTabSz="914400" rtl="0" eaLnBrk="1" latinLnBrk="1" hangingPunct="1">
-              <a:defRPr sz="1800" kern="1200">
-                <a:solidFill>
-                  <a:schemeClr val="tx1"/>
-                </a:solidFill>
-                <a:latin typeface="+mn-lt"/>
-                <a:ea typeface="+mn-ea"/>
-                <a:cs typeface="+mn-cs"/>
-              </a:defRPr>
-            </a:lvl5pPr>
-            <a:lvl6pPr marL="2286000" algn="l" defTabSz="914400" rtl="0" eaLnBrk="1" latinLnBrk="1" hangingPunct="1">
-              <a:defRPr sz="1800" kern="1200">
-                <a:solidFill>
-                  <a:schemeClr val="tx1"/>
-                </a:solidFill>
-                <a:latin typeface="+mn-lt"/>
-                <a:ea typeface="+mn-ea"/>
-                <a:cs typeface="+mn-cs"/>
-              </a:defRPr>
-            </a:lvl6pPr>
-            <a:lvl7pPr marL="2743200" algn="l" defTabSz="914400" rtl="0" eaLnBrk="1" latinLnBrk="1" hangingPunct="1">
-              <a:defRPr sz="1800" kern="1200">
-                <a:solidFill>
-                  <a:schemeClr val="tx1"/>
-                </a:solidFill>
-                <a:latin typeface="+mn-lt"/>
-                <a:ea typeface="+mn-ea"/>
-                <a:cs typeface="+mn-cs"/>
-              </a:defRPr>
-            </a:lvl7pPr>
-            <a:lvl8pPr marL="3200400" algn="l" defTabSz="914400" rtl="0" eaLnBrk="1" latinLnBrk="1" hangingPunct="1">
-              <a:defRPr sz="1800" kern="1200">
-                <a:solidFill>
-                  <a:schemeClr val="tx1"/>
-                </a:solidFill>
-                <a:latin typeface="+mn-lt"/>
-                <a:ea typeface="+mn-ea"/>
-                <a:cs typeface="+mn-cs"/>
-              </a:defRPr>
-            </a:lvl8pPr>
-            <a:lvl9pPr marL="3657600" algn="l" defTabSz="914400" rtl="0" eaLnBrk="1" latinLnBrk="1" hangingPunct="1">
-              <a:defRPr sz="1800" kern="1200">
-                <a:solidFill>
-                  <a:schemeClr val="tx1"/>
-                </a:solidFill>
-                <a:latin typeface="+mn-lt"/>
-                <a:ea typeface="+mn-ea"/>
-                <a:cs typeface="+mn-cs"/>
-              </a:defRPr>
-            </a:lvl9pPr>
-          </a:lstStyle>
-          <a:p>
-            <a:r>
-              <a:rPr lang="en-US" altLang="ko-KR" dirty="0" smtClean="0">
-                <a:solidFill>
-                  <a:schemeClr val="accent5"/>
-                </a:solidFill>
-                <a:latin typeface="배달의민족 도현" pitchFamily="50" charset="-127"/>
-                <a:ea typeface="배달의민족 도현" pitchFamily="50" charset="-127"/>
-              </a:rPr>
-              <a:t>S</a:t>
-            </a:r>
-            <a:r>
-              <a:rPr lang="en-US" altLang="ko-KR" dirty="0" smtClean="0">
-                <a:latin typeface="배달의민족 도현" pitchFamily="50" charset="-127"/>
-                <a:ea typeface="배달의민족 도현" pitchFamily="50" charset="-127"/>
-              </a:rPr>
-              <a:t>TART</a:t>
-            </a:r>
-            <a:r>
-              <a:rPr lang="en-US" altLang="ko-KR" dirty="0" smtClean="0">
-                <a:solidFill>
-                  <a:schemeClr val="accent5"/>
-                </a:solidFill>
-                <a:latin typeface="배달의민족 도현" pitchFamily="50" charset="-127"/>
-                <a:ea typeface="배달의민족 도현" pitchFamily="50" charset="-127"/>
-              </a:rPr>
-              <a:t>C</a:t>
-            </a:r>
-            <a:r>
-              <a:rPr lang="en-US" altLang="ko-KR" dirty="0" smtClean="0">
-                <a:latin typeface="배달의민족 도현" pitchFamily="50" charset="-127"/>
-                <a:ea typeface="배달의민족 도현" pitchFamily="50" charset="-127"/>
-              </a:rPr>
-              <a:t>ODING</a:t>
-            </a:r>
-            <a:endParaRPr lang="ko-KR" altLang="en-US" dirty="0">
-              <a:latin typeface="배달의민족 도현" pitchFamily="50" charset="-127"/>
-              <a:ea typeface="배달의민족 도현" pitchFamily="50" charset="-127"/>
-            </a:endParaRPr>
-          </a:p>
-        </p:txBody>
-      </p:sp>
-      <p:sp>
-        <p:nvSpPr>
-          <p:cNvPr id="4" name="제목 1"/>
-          <p:cNvSpPr txBox="1">
-            <a:spLocks/>
-          </p:cNvSpPr>
-          <p:nvPr/>
-        </p:nvSpPr>
-        <p:spPr>
-          <a:xfrm>
-            <a:off x="685800" y="3356992"/>
-            <a:ext cx="7772400" cy="1470025"/>
-          </a:xfrm>
-          <a:prstGeom prst="rect">
-            <a:avLst/>
-          </a:prstGeom>
-        </p:spPr>
-        <p:txBody>
-          <a:bodyPr vert="horz" lIns="91440" tIns="45720" rIns="91440" bIns="45720" rtlCol="0" anchor="ctr">
-            <a:normAutofit/>
-          </a:bodyPr>
-          <a:lstStyle>
-            <a:lvl1pPr algn="ctr" defTabSz="914400" rtl="0" eaLnBrk="1" latinLnBrk="1" hangingPunct="1">
-              <a:spcBef>
-                <a:spcPct val="0"/>
-              </a:spcBef>
-              <a:buNone/>
-              <a:defRPr sz="4400" kern="1200">
-                <a:solidFill>
-                  <a:schemeClr val="tx1"/>
-                </a:solidFill>
-                <a:latin typeface="+mj-lt"/>
-                <a:ea typeface="+mj-ea"/>
-                <a:cs typeface="+mj-cs"/>
-              </a:defRPr>
-            </a:lvl1pPr>
-          </a:lstStyle>
-          <a:p>
-            <a:r>
-              <a:rPr lang="ko-KR" altLang="en-US" sz="3600" dirty="0" smtClean="0">
-                <a:solidFill>
-                  <a:schemeClr val="accent5"/>
-                </a:solidFill>
-                <a:latin typeface="배달의민족 주아" pitchFamily="18" charset="-127"/>
-                <a:ea typeface="배달의민족 주아" pitchFamily="18" charset="-127"/>
-              </a:rPr>
-              <a:t>표 추가</a:t>
-            </a:r>
-            <a:endParaRPr lang="ko-KR" altLang="en-US" sz="3600" dirty="0">
-              <a:solidFill>
-                <a:schemeClr val="accent5"/>
-              </a:solidFill>
-              <a:latin typeface="배달의민족 주아" pitchFamily="18" charset="-127"/>
-              <a:ea typeface="배달의민족 주아" pitchFamily="18" charset="-127"/>
-            </a:endParaRPr>
-          </a:p>
-        </p:txBody>
-      </p:sp>
-    </p:spTree>
-    <p:extLst>
-      <p:ext uri="{BB962C8B-B14F-4D97-AF65-F5344CB8AC3E}">
-        <p14:creationId xmlns:p14="http://schemas.microsoft.com/office/powerpoint/2010/main" val="1814860537"/>
-      </p:ext>
-    </p:extLst>
-  </p:cSld>
-  <p:clrMapOvr>
-    <a:masterClrMapping/>
-  </p:clrMapOvr>
-  <p:timing>
-    <p:tnLst>
-      <p:par>
-        <p:cTn id="1" dur="indefinite" restart="never" nodeType="tmRoot">
-          <p:childTnLst>
-            <p:seq concurrent="1" nextAc="seek">
-              <p:cTn id="2" dur="indefinite" nodeType="mainSeq">
-                <p:childTnLst>
-                  <p:par>
-                    <p:cTn id="3" fill="hold">
-                      <p:stCondLst>
-                        <p:cond delay="indefinite"/>
-                      </p:stCondLst>
-                      <p:childTnLst>
-                        <p:par>
-                          <p:cTn id="4" fill="hold">
-                            <p:stCondLst>
-                              <p:cond delay="0"/>
-                            </p:stCondLst>
-                            <p:childTnLst>
-                              <p:par>
-                                <p:cTn id="5" presetID="10" presetClass="entr" presetSubtype="0" fill="hold" grpId="0" nodeType="clickEffect">
-                                  <p:stCondLst>
-                                    <p:cond delay="0"/>
-                                  </p:stCondLst>
-                                  <p:childTnLst>
-                                    <p:set>
-                                      <p:cBhvr>
-                                        <p:cTn id="6" dur="1" fill="hold">
-                                          <p:stCondLst>
-                                            <p:cond delay="0"/>
-                                          </p:stCondLst>
-                                        </p:cTn>
-                                        <p:tgtEl>
-                                          <p:spTgt spid="4"/>
-                                        </p:tgtEl>
-                                        <p:attrNameLst>
-                                          <p:attrName>style.visibility</p:attrName>
-                                        </p:attrNameLst>
-                                      </p:cBhvr>
-                                      <p:to>
-                                        <p:strVal val="visible"/>
-                                      </p:to>
-                                    </p:set>
-                                    <p:animEffect transition="in" filter="fade">
-                                      <p:cBhvr>
-                                        <p:cTn id="7" dur="500"/>
-                                        <p:tgtEl>
-                                          <p:spTgt spid="4"/>
-                                        </p:tgtEl>
-                                      </p:cBhvr>
-                                    </p:animEffect>
-                                  </p:childTnLst>
-                                </p:cTn>
-                              </p:par>
-                            </p:childTnLst>
-                          </p:cTn>
-                        </p:par>
-                      </p:childTnLst>
-                    </p:cTn>
-                  </p:par>
-                </p:childTnLst>
-              </p:cTn>
-              <p:prevCondLst>
-                <p:cond evt="onPrev" delay="0">
-                  <p:tgtEl>
-                    <p:sldTgt/>
-                  </p:tgtEl>
-                </p:cond>
-              </p:prevCondLst>
-              <p:nextCondLst>
-                <p:cond evt="onNext" delay="0">
-                  <p:tgtEl>
-                    <p:sldTgt/>
-                  </p:tgtEl>
-                </p:cond>
-              </p:nextCondLst>
-            </p:seq>
-          </p:childTnLst>
-        </p:cTn>
-      </p:par>
-    </p:tnLst>
-    <p:bldLst>
-      <p:bldP spid="4" grpId="0"/>
-    </p:bldLst>
-  </p:timing>
-</p:sld>
-</file>
-
-<file path=ppt/slides/slide17.xml><?xml version="1.0" encoding="utf-8"?>
 <p:sld xmlns:a="http://schemas.openxmlformats.org/drawingml/2006/main" xmlns:r="http://schemas.openxmlformats.org/officeDocument/2006/relationships" xmlns:p="http://schemas.openxmlformats.org/presentationml/2006/main">
   <p:cSld>
     <p:spTree>
@@ -5585,21 +5506,7 @@
                 <a:latin typeface="배달의민족 주아" pitchFamily="18" charset="-127"/>
                 <a:ea typeface="배달의민족 주아" pitchFamily="18" charset="-127"/>
               </a:rPr>
-              <a:t>2. </a:t>
-            </a:r>
-            <a:r>
-              <a:rPr lang="en-US" altLang="ko-KR" dirty="0" smtClean="0">
-                <a:latin typeface="배달의민족 주아" pitchFamily="18" charset="-127"/>
-                <a:ea typeface="배달의민족 주아" pitchFamily="18" charset="-127"/>
-              </a:rPr>
-              <a:t>box-shadow</a:t>
-            </a:r>
-            <a:r>
-              <a:rPr lang="en-US" altLang="ko-KR" dirty="0" smtClean="0">
-                <a:latin typeface="배달의민족 주아" pitchFamily="18" charset="-127"/>
-                <a:ea typeface="배달의민족 주아" pitchFamily="18" charset="-127"/>
-              </a:rPr>
-              <a:t/>
+              <a:t>2. box-shadow</a:t>
             </a:r>
             <a:br>
               <a:rPr lang="en-US" altLang="ko-KR" dirty="0" smtClean="0">
@@ -8394,14 +8301,7 @@
                 <a:latin typeface="배달의민족 주아" pitchFamily="18" charset="-127"/>
                 <a:ea typeface="배달의민족 주아" pitchFamily="18" charset="-127"/>
               </a:rPr>
-              <a:t>box-sizing </a:t>
-            </a:r>
-            <a:r>
-              <a:rPr lang="en-US" altLang="ko-KR" dirty="0" smtClean="0">
-                <a:latin typeface="배달의민족 주아" pitchFamily="18" charset="-127"/>
-                <a:ea typeface="배달의민족 주아" pitchFamily="18" charset="-127"/>
-              </a:rPr>
-              <a:t>: content-box (</a:t>
+              <a:t>box-sizing : content-box (</a:t>
             </a:r>
             <a:r>
               <a:rPr lang="ko-KR" altLang="en-US" dirty="0" smtClean="0">
@@ -8581,6 +8481,227 @@
           </a:p>
         </p:txBody>
       </p:sp>
+      <p:sp>
+        <p:nvSpPr>
+          <p:cNvPr id="5" name="제목 1"/>
+          <p:cNvSpPr txBox="1">
+            <a:spLocks/>
+          </p:cNvSpPr>
+          <p:nvPr/>
+        </p:nvSpPr>
+        <p:spPr>
+          <a:xfrm>
+            <a:off x="757808" y="2564904"/>
+            <a:ext cx="7990656" cy="1680790"/>
+          </a:xfrm>
+          <a:prstGeom prst="rect">
+            <a:avLst/>
+          </a:prstGeom>
+        </p:spPr>
+        <p:txBody>
+          <a:bodyPr vert="horz" lIns="91440" tIns="45720" rIns="91440" bIns="45720" rtlCol="0" anchor="ctr">
+            <a:normAutofit fontScale="55000" lnSpcReduction="20000"/>
+          </a:bodyPr>
+          <a:lstStyle>
+            <a:lvl1pPr algn="ctr" defTabSz="914400" rtl="0" eaLnBrk="1" latinLnBrk="1" hangingPunct="1">
+              <a:spcBef>
+                <a:spcPct val="0"/>
+              </a:spcBef>
+              <a:buNone/>
+              <a:defRPr sz="4400" kern="1200">
+                <a:solidFill>
+                  <a:schemeClr val="tx1"/>
+                </a:solidFill>
+                <a:latin typeface="+mj-lt"/>
+                <a:ea typeface="+mj-ea"/>
+                <a:cs typeface="+mj-cs"/>
+              </a:defRPr>
+            </a:lvl1pPr>
+          </a:lstStyle>
+          <a:p>
+            <a:pPr algn="l"/>
+            <a:r>
+              <a:rPr lang="en-US" altLang="ko-KR" dirty="0" smtClean="0">
+                <a:latin typeface="배달의민족 주아" pitchFamily="18" charset="-127"/>
+                <a:ea typeface="배달의민족 주아" pitchFamily="18" charset="-127"/>
+              </a:rPr>
+              <a:t>width : 200px;</a:t>
+            </a:r>
+          </a:p>
+          <a:p>
+            <a:pPr algn="l"/>
+            <a:r>
+              <a:rPr lang="en-US" altLang="ko-KR" dirty="0" smtClean="0">
+                <a:latin typeface="배달의민족 주아" pitchFamily="18" charset="-127"/>
+                <a:ea typeface="배달의민족 주아" pitchFamily="18" charset="-127"/>
+              </a:rPr>
+              <a:t>height : 200px;</a:t>
+            </a:r>
+          </a:p>
+          <a:p>
+            <a:pPr algn="l"/>
+            <a:r>
+              <a:rPr lang="en-US" altLang="ko-KR" dirty="0" smtClean="0">
+                <a:latin typeface="배달의민족 주아" pitchFamily="18" charset="-127"/>
+                <a:ea typeface="배달의민족 주아" pitchFamily="18" charset="-127"/>
+              </a:rPr>
+              <a:t>padding : 20px;</a:t>
+            </a:r>
+          </a:p>
+          <a:p>
+            <a:pPr algn="l"/>
+            <a:r>
+              <a:rPr lang="en-US" altLang="ko-KR" dirty="0" smtClean="0">
+                <a:latin typeface="배달의민족 주아" pitchFamily="18" charset="-127"/>
+                <a:ea typeface="배달의민족 주아" pitchFamily="18" charset="-127"/>
+              </a:rPr>
+              <a:t>border : 5px solid black;</a:t>
+            </a:r>
+          </a:p>
+          <a:p>
+            <a:pPr algn="l"/>
+            <a:r>
+              <a:rPr lang="en-US" altLang="ko-KR" dirty="0" smtClean="0">
+                <a:latin typeface="배달의민족 주아" pitchFamily="18" charset="-127"/>
+                <a:ea typeface="배달의민족 주아" pitchFamily="18" charset="-127"/>
+              </a:rPr>
+              <a:t>box-sizing : content-box;</a:t>
+            </a:r>
+            <a:endParaRPr lang="ko-KR" altLang="en-US" dirty="0">
+              <a:latin typeface="배달의민족 주아" pitchFamily="18" charset="-127"/>
+              <a:ea typeface="배달의민족 주아" pitchFamily="18" charset="-127"/>
+            </a:endParaRPr>
+          </a:p>
+        </p:txBody>
+      </p:sp>
+      <p:sp>
+        <p:nvSpPr>
+          <p:cNvPr id="6" name="제목 1"/>
+          <p:cNvSpPr txBox="1">
+            <a:spLocks/>
+          </p:cNvSpPr>
+          <p:nvPr/>
+        </p:nvSpPr>
+        <p:spPr>
+          <a:xfrm>
+            <a:off x="-36512" y="1556792"/>
+            <a:ext cx="2952328" cy="1470025"/>
+          </a:xfrm>
+          <a:prstGeom prst="rect">
+            <a:avLst/>
+          </a:prstGeom>
+        </p:spPr>
+        <p:txBody>
+          <a:bodyPr vert="horz" lIns="91440" tIns="45720" rIns="91440" bIns="45720" rtlCol="0" anchor="ctr">
+            <a:normAutofit/>
+          </a:bodyPr>
+          <a:lstStyle>
+            <a:lvl1pPr algn="ctr" defTabSz="914400" rtl="0" eaLnBrk="1" latinLnBrk="1" hangingPunct="1">
+              <a:spcBef>
+                <a:spcPct val="0"/>
+              </a:spcBef>
+              <a:buNone/>
+              <a:defRPr sz="4400" kern="1200">
+                <a:solidFill>
+                  <a:schemeClr val="tx1"/>
+                </a:solidFill>
+                <a:latin typeface="+mj-lt"/>
+                <a:ea typeface="+mj-ea"/>
+                <a:cs typeface="+mj-cs"/>
+              </a:defRPr>
+            </a:lvl1pPr>
+          </a:lstStyle>
+          <a:p>
+            <a:r>
+              <a:rPr lang="en-US" altLang="ko-KR" dirty="0" smtClean="0">
+                <a:solidFill>
+                  <a:schemeClr val="accent6">
+                    <a:lumMod val="60000"/>
+                    <a:lumOff val="40000"/>
+                  </a:schemeClr>
+                </a:solidFill>
+                <a:latin typeface="배달의민족 주아" pitchFamily="18" charset="-127"/>
+                <a:ea typeface="배달의민족 주아" pitchFamily="18" charset="-127"/>
+              </a:rPr>
+              <a:t>style</a:t>
+            </a:r>
+            <a:endParaRPr lang="ko-KR" altLang="en-US" dirty="0">
+              <a:solidFill>
+                <a:schemeClr val="accent6">
+                  <a:lumMod val="60000"/>
+                  <a:lumOff val="40000"/>
+                </a:schemeClr>
+              </a:solidFill>
+              <a:latin typeface="배달의민족 주아" pitchFamily="18" charset="-127"/>
+              <a:ea typeface="배달의민족 주아" pitchFamily="18" charset="-127"/>
+            </a:endParaRPr>
+          </a:p>
+        </p:txBody>
+      </p:sp>
+      <p:pic>
+        <p:nvPicPr>
+          <p:cNvPr id="1027" name="Picture 3"/>
+          <p:cNvPicPr>
+            <a:picLocks noChangeAspect="1" noChangeArrowheads="1"/>
+          </p:cNvPicPr>
+          <p:nvPr/>
+        </p:nvPicPr>
+        <p:blipFill>
+          <a:blip r:embed="rId2">
+            <a:extLst>
+              <a:ext uri="{28A0092B-C50C-407E-A947-70E740481C1C}">
+                <a14:useLocalDpi xmlns:a14="http://schemas.microsoft.com/office/drawing/2010/main" val="0"/>
+              </a:ext>
+            </a:extLst>
+          </a:blip>
+          <a:srcRect/>
+          <a:stretch>
+            <a:fillRect/>
+          </a:stretch>
+        </p:blipFill>
+        <p:spPr bwMode="auto">
+          <a:xfrm>
+            <a:off x="4738679" y="2034147"/>
+            <a:ext cx="1922143" cy="2330957"/>
+          </a:xfrm>
+          <a:prstGeom prst="rect">
+            <a:avLst/>
+          </a:prstGeom>
+          <a:noFill/>
+          <a:ln>
+            <a:noFill/>
+          </a:ln>
+          <a:effectLst/>
+          <a:extLst>
+            <a:ext uri="{909E8E84-426E-40DD-AFC4-6F175D3DCCD1}">
+              <a14:hiddenFill xmlns:a14="http://schemas.microsoft.com/office/drawing/2010/main">
+                <a:solidFill>
+                  <a:schemeClr val="accent1"/>
+                </a:solidFill>
+              </a14:hiddenFill>
+            </a:ext>
+            <a:ext uri="{91240B29-F687-4F45-9708-019B960494DF}">
+              <a14:hiddenLine xmlns:a14="http://schemas.microsoft.com/office/drawing/2010/main" w="9525">
+                <a:solidFill>
+                  <a:schemeClr val="tx1"/>
+                </a:solidFill>
+                <a:miter lim="800000"/>
+                <a:headEnd/>
+                <a:tailEnd/>
+              </a14:hiddenLine>
+            </a:ext>
+            <a:ext uri="{AF507438-7753-43E0-B8FC-AC1667EBCBE1}">
+              <a14:hiddenEffects xmlns:a14="http://schemas.microsoft.com/office/drawing/2010/main">
+                <a:effectLst>
+                  <a:outerShdw dist="35921" dir="2700000" algn="ctr" rotWithShape="0">
+                    <a:schemeClr val="bg2"/>
+                  </a:outerShdw>
+                </a:effectLst>
+              </a14:hiddenEffects>
+            </a:ext>
+          </a:extLst>
+        </p:spPr>
+      </p:pic>
     </p:spTree>
     <p:extLst>
       <p:ext uri="{BB962C8B-B14F-4D97-AF65-F5344CB8AC3E}">
